--- a/卒業論文/2015/川手元稀/中間ポスター/卒論中間ポスター.pptx
+++ b/卒業論文/2015/川手元稀/中間ポスター/卒論中間ポスター.pptx
@@ -5140,54 +5140,23 @@
                   <a:schemeClr val="tx1"/>
                 </a:solidFill>
               </a:rPr>
-              <a:t>を実施した</a:t>
-            </a:r>
-            <a:r>
-              <a:rPr lang="ja-JP" altLang="en-US" sz="4400" dirty="0" smtClean="0">
+              <a:t>を実施</a:t>
+            </a:r>
+            <a:r>
+              <a:rPr lang="ja-JP" altLang="en-US" sz="4400">
                 <a:solidFill>
                   <a:schemeClr val="tx1"/>
                 </a:solidFill>
               </a:rPr>
-              <a:t>．引き続きデータを収集中である．</a:t>
-            </a:r>
-            <a:endParaRPr lang="en-US" altLang="ja-JP" sz="4400" dirty="0" smtClean="0">
-              <a:solidFill>
-                <a:schemeClr val="tx1"/>
-              </a:solidFill>
-            </a:endParaRPr>
-          </a:p>
-          <a:p>
-            <a:r>
-              <a:rPr lang="ja-JP" altLang="en-US" sz="4400" dirty="0">
+              <a:t>した</a:t>
+            </a:r>
+            <a:r>
+              <a:rPr lang="ja-JP" altLang="en-US" sz="4400" smtClean="0">
                 <a:solidFill>
                   <a:schemeClr val="tx1"/>
                 </a:solidFill>
               </a:rPr>
-              <a:t>今後</a:t>
-            </a:r>
-            <a:r>
-              <a:rPr lang="ja-JP" altLang="en-US" sz="4400" dirty="0" smtClean="0">
-                <a:solidFill>
-                  <a:schemeClr val="tx1"/>
-                </a:solidFill>
-              </a:rPr>
-              <a:t>はデータの均一性を高めるため</a:t>
-            </a:r>
-            <a:r>
-              <a:rPr lang="en-US" altLang="ja-JP" sz="4400" dirty="0" smtClean="0">
-                <a:solidFill>
-                  <a:schemeClr val="tx1"/>
-                </a:solidFill>
-              </a:rPr>
-              <a:t>PM</a:t>
-            </a:r>
-            <a:r>
-              <a:rPr lang="ja-JP" altLang="en-US" sz="4400" dirty="0" smtClean="0">
-                <a:solidFill>
-                  <a:schemeClr val="tx1"/>
-                </a:solidFill>
-              </a:rPr>
-              <a:t>学科の授業を利用し集める予定である．</a:t>
+              <a:t>．現在解析中である．</a:t>
             </a:r>
             <a:endParaRPr lang="ja-JP" altLang="en-US" sz="4400" dirty="0">
               <a:solidFill>
@@ -5835,16 +5804,7 @@
                 </a:solidFill>
                 <a:latin typeface="+mn-ea"/>
               </a:rPr>
-              <a:t>対応</a:t>
-            </a:r>
-            <a:r>
-              <a:rPr kumimoji="1" lang="ja-JP" altLang="en-US" sz="5400" dirty="0" smtClean="0">
-                <a:solidFill>
-                  <a:srgbClr val="FF0000"/>
-                </a:solidFill>
-                <a:latin typeface="+mn-ea"/>
-              </a:rPr>
-              <a:t>分析</a:t>
+              <a:t>対応分析</a:t>
             </a:r>
             <a:endParaRPr kumimoji="1" lang="en-US" altLang="ja-JP" sz="4400" dirty="0" smtClean="0">
               <a:solidFill>
@@ -5861,16 +5821,7 @@
                 </a:solidFill>
                 <a:latin typeface="+mn-ea"/>
               </a:rPr>
-              <a:t>集めたデータの相関関係を分かりやすく表示する分析手法である</a:t>
-            </a:r>
-            <a:r>
-              <a:rPr lang="ja-JP" altLang="en-US" sz="4400" dirty="0" smtClean="0">
-                <a:solidFill>
-                  <a:schemeClr val="tx1"/>
-                </a:solidFill>
-                <a:latin typeface="+mn-ea"/>
-              </a:rPr>
-              <a:t>．データに有効であれば色々手法を試す．</a:t>
+              <a:t>集めたデータの相関関係を分かりやすく表示する分析手法である．データに有効であれば色々手法を試す．</a:t>
             </a:r>
             <a:endParaRPr kumimoji="1" lang="en-US" altLang="ja-JP" sz="4400" dirty="0" smtClean="0">
               <a:solidFill>

--- a/卒業論文/2015/川手元稀/中間ポスター/卒論中間ポスター.pptx
+++ b/卒業論文/2015/川手元稀/中間ポスター/卒論中間ポスター.pptx
@@ -211,7 +211,7 @@
           <a:p>
             <a:fld id="{1355B614-8C80-42CD-A0C7-A8AC0A708725}" type="datetimeFigureOut">
               <a:rPr kumimoji="1" lang="ja-JP" altLang="en-US" smtClean="0"/>
-              <a:t>2016/10/7</a:t>
+              <a:t>2016/10/11</a:t>
             </a:fld>
             <a:endParaRPr kumimoji="1" lang="ja-JP" altLang="en-US"/>
           </a:p>
@@ -726,7 +726,7 @@
           <a:p>
             <a:fld id="{CD18CB5A-6947-405F-A94A-52FF85729738}" type="datetimeFigureOut">
               <a:rPr kumimoji="1" lang="ja-JP" altLang="en-US" smtClean="0"/>
-              <a:t>2016/10/7</a:t>
+              <a:t>2016/10/11</a:t>
             </a:fld>
             <a:endParaRPr kumimoji="1" lang="ja-JP" altLang="en-US"/>
           </a:p>
@@ -928,7 +928,7 @@
           <a:p>
             <a:fld id="{CD18CB5A-6947-405F-A94A-52FF85729738}" type="datetimeFigureOut">
               <a:rPr kumimoji="1" lang="ja-JP" altLang="en-US" smtClean="0"/>
-              <a:t>2016/10/7</a:t>
+              <a:t>2016/10/11</a:t>
             </a:fld>
             <a:endParaRPr kumimoji="1" lang="ja-JP" altLang="en-US"/>
           </a:p>
@@ -1140,7 +1140,7 @@
           <a:p>
             <a:fld id="{CD18CB5A-6947-405F-A94A-52FF85729738}" type="datetimeFigureOut">
               <a:rPr kumimoji="1" lang="ja-JP" altLang="en-US" smtClean="0"/>
-              <a:t>2016/10/7</a:t>
+              <a:t>2016/10/11</a:t>
             </a:fld>
             <a:endParaRPr kumimoji="1" lang="ja-JP" altLang="en-US"/>
           </a:p>
@@ -1342,7 +1342,7 @@
           <a:p>
             <a:fld id="{CD18CB5A-6947-405F-A94A-52FF85729738}" type="datetimeFigureOut">
               <a:rPr kumimoji="1" lang="ja-JP" altLang="en-US" smtClean="0"/>
-              <a:t>2016/10/7</a:t>
+              <a:t>2016/10/11</a:t>
             </a:fld>
             <a:endParaRPr kumimoji="1" lang="ja-JP" altLang="en-US"/>
           </a:p>
@@ -1588,7 +1588,7 @@
           <a:p>
             <a:fld id="{CD18CB5A-6947-405F-A94A-52FF85729738}" type="datetimeFigureOut">
               <a:rPr kumimoji="1" lang="ja-JP" altLang="en-US" smtClean="0"/>
-              <a:t>2016/10/7</a:t>
+              <a:t>2016/10/11</a:t>
             </a:fld>
             <a:endParaRPr kumimoji="1" lang="ja-JP" altLang="en-US"/>
           </a:p>
@@ -1884,7 +1884,7 @@
           <a:p>
             <a:fld id="{CD18CB5A-6947-405F-A94A-52FF85729738}" type="datetimeFigureOut">
               <a:rPr kumimoji="1" lang="ja-JP" altLang="en-US" smtClean="0"/>
-              <a:t>2016/10/7</a:t>
+              <a:t>2016/10/11</a:t>
             </a:fld>
             <a:endParaRPr kumimoji="1" lang="ja-JP" altLang="en-US"/>
           </a:p>
@@ -2315,7 +2315,7 @@
           <a:p>
             <a:fld id="{CD18CB5A-6947-405F-A94A-52FF85729738}" type="datetimeFigureOut">
               <a:rPr kumimoji="1" lang="ja-JP" altLang="en-US" smtClean="0"/>
-              <a:t>2016/10/7</a:t>
+              <a:t>2016/10/11</a:t>
             </a:fld>
             <a:endParaRPr kumimoji="1" lang="ja-JP" altLang="en-US"/>
           </a:p>
@@ -2433,7 +2433,7 @@
           <a:p>
             <a:fld id="{CD18CB5A-6947-405F-A94A-52FF85729738}" type="datetimeFigureOut">
               <a:rPr kumimoji="1" lang="ja-JP" altLang="en-US" smtClean="0"/>
-              <a:t>2016/10/7</a:t>
+              <a:t>2016/10/11</a:t>
             </a:fld>
             <a:endParaRPr kumimoji="1" lang="ja-JP" altLang="en-US"/>
           </a:p>
@@ -2528,7 +2528,7 @@
           <a:p>
             <a:fld id="{CD18CB5A-6947-405F-A94A-52FF85729738}" type="datetimeFigureOut">
               <a:rPr kumimoji="1" lang="ja-JP" altLang="en-US" smtClean="0"/>
-              <a:t>2016/10/7</a:t>
+              <a:t>2016/10/11</a:t>
             </a:fld>
             <a:endParaRPr kumimoji="1" lang="ja-JP" altLang="en-US"/>
           </a:p>
@@ -2837,7 +2837,7 @@
           <a:p>
             <a:fld id="{CD18CB5A-6947-405F-A94A-52FF85729738}" type="datetimeFigureOut">
               <a:rPr kumimoji="1" lang="ja-JP" altLang="en-US" smtClean="0"/>
-              <a:t>2016/10/7</a:t>
+              <a:t>2016/10/11</a:t>
             </a:fld>
             <a:endParaRPr kumimoji="1" lang="ja-JP" altLang="en-US"/>
           </a:p>
@@ -3090,7 +3090,7 @@
           <a:p>
             <a:fld id="{CD18CB5A-6947-405F-A94A-52FF85729738}" type="datetimeFigureOut">
               <a:rPr kumimoji="1" lang="ja-JP" altLang="en-US" smtClean="0"/>
-              <a:t>2016/10/7</a:t>
+              <a:t>2016/10/11</a:t>
             </a:fld>
             <a:endParaRPr kumimoji="1" lang="ja-JP" altLang="en-US"/>
           </a:p>
@@ -3335,7 +3335,7 @@
           <a:p>
             <a:fld id="{CD18CB5A-6947-405F-A94A-52FF85729738}" type="datetimeFigureOut">
               <a:rPr kumimoji="1" lang="ja-JP" altLang="en-US" smtClean="0"/>
-              <a:t>2016/10/7</a:t>
+              <a:t>2016/10/11</a:t>
             </a:fld>
             <a:endParaRPr kumimoji="1" lang="ja-JP" altLang="en-US"/>
           </a:p>
@@ -3742,60 +3742,14 @@
       </p:grpSpPr>
       <p:sp>
         <p:nvSpPr>
-          <p:cNvPr id="2" name="正方形/長方形 1"/>
-          <p:cNvSpPr/>
-          <p:nvPr/>
-        </p:nvSpPr>
-        <p:spPr>
-          <a:xfrm>
-            <a:off x="180232" y="2929585"/>
-            <a:ext cx="20906812" cy="7400925"/>
-          </a:xfrm>
-          <a:prstGeom prst="rect">
-            <a:avLst/>
-          </a:prstGeom>
-          <a:noFill/>
-          <a:ln w="38100">
-            <a:solidFill>
-              <a:schemeClr val="tx1"/>
-            </a:solidFill>
-          </a:ln>
-        </p:spPr>
-        <p:style>
-          <a:lnRef idx="2">
-            <a:schemeClr val="accent1">
-              <a:shade val="50000"/>
-            </a:schemeClr>
-          </a:lnRef>
-          <a:fillRef idx="1">
-            <a:schemeClr val="accent1"/>
-          </a:fillRef>
-          <a:effectRef idx="0">
-            <a:schemeClr val="accent1"/>
-          </a:effectRef>
-          <a:fontRef idx="minor">
-            <a:schemeClr val="lt1"/>
-          </a:fontRef>
-        </p:style>
-        <p:txBody>
-          <a:bodyPr rtlCol="0" anchor="ctr"/>
-          <a:lstStyle/>
-          <a:p>
-            <a:pPr algn="ctr"/>
-            <a:endParaRPr kumimoji="1" lang="ja-JP" altLang="en-US"/>
-          </a:p>
-        </p:txBody>
-      </p:sp>
-      <p:sp>
-        <p:nvSpPr>
           <p:cNvPr id="11" name="上矢印 10"/>
           <p:cNvSpPr/>
           <p:nvPr/>
         </p:nvSpPr>
         <p:spPr>
           <a:xfrm rot="5400000">
-            <a:off x="9195501" y="8079440"/>
-            <a:ext cx="1762431" cy="2111684"/>
+            <a:off x="9195501" y="7029563"/>
+            <a:ext cx="1762431" cy="1919713"/>
           </a:xfrm>
           <a:prstGeom prst="upArrow">
             <a:avLst/>
@@ -3945,8 +3899,8 @@
         </p:nvSpPr>
         <p:spPr>
           <a:xfrm>
-            <a:off x="604233" y="8430495"/>
-            <a:ext cx="7848871" cy="1590374"/>
+            <a:off x="604233" y="7356922"/>
+            <a:ext cx="7848871" cy="1445795"/>
           </a:xfrm>
           <a:prstGeom prst="roundRect">
             <a:avLst/>
@@ -4038,8 +3992,8 @@
         </p:nvSpPr>
         <p:spPr>
           <a:xfrm>
-            <a:off x="11707658" y="8455610"/>
-            <a:ext cx="9026014" cy="1571809"/>
+            <a:off x="11707658" y="7381193"/>
+            <a:ext cx="9026014" cy="1428917"/>
           </a:xfrm>
           <a:prstGeom prst="roundRect">
             <a:avLst/>
@@ -4116,114 +4070,14 @@
       </p:sp>
       <p:sp>
         <p:nvSpPr>
-          <p:cNvPr id="28" name="正方形/長方形 27"/>
+          <p:cNvPr id="30" name="ホームベース 29"/>
           <p:cNvSpPr/>
           <p:nvPr/>
         </p:nvSpPr>
         <p:spPr>
           <a:xfrm>
-            <a:off x="493247" y="11756421"/>
-            <a:ext cx="19273162" cy="924983"/>
-          </a:xfrm>
-          <a:prstGeom prst="rect">
-            <a:avLst/>
-          </a:prstGeom>
-          <a:solidFill>
-            <a:schemeClr val="bg1"/>
-          </a:solidFill>
-          <a:ln>
-            <a:solidFill>
-              <a:schemeClr val="accent1"/>
-            </a:solidFill>
-          </a:ln>
-        </p:spPr>
-        <p:style>
-          <a:lnRef idx="2">
-            <a:schemeClr val="accent1">
-              <a:shade val="50000"/>
-            </a:schemeClr>
-          </a:lnRef>
-          <a:fillRef idx="1">
-            <a:schemeClr val="accent1"/>
-          </a:fillRef>
-          <a:effectRef idx="0">
-            <a:schemeClr val="accent1"/>
-          </a:effectRef>
-          <a:fontRef idx="minor">
-            <a:schemeClr val="lt1"/>
-          </a:fontRef>
-        </p:style>
-        <p:txBody>
-          <a:bodyPr lIns="295232" tIns="147616" rIns="295232" bIns="147616" rtlCol="0" anchor="t"/>
-          <a:lstStyle/>
-          <a:p>
-            <a:r>
-              <a:rPr lang="ja-JP" altLang="en-US" sz="3600" dirty="0">
-                <a:solidFill>
-                  <a:schemeClr val="tx1"/>
-                </a:solidFill>
-              </a:rPr>
-              <a:t>様々</a:t>
-            </a:r>
-            <a:r>
-              <a:rPr lang="ja-JP" altLang="en-US" sz="3600" dirty="0" smtClean="0">
-                <a:solidFill>
-                  <a:schemeClr val="tx1"/>
-                </a:solidFill>
-              </a:rPr>
-              <a:t>なデータマイニングの分析</a:t>
-            </a:r>
-            <a:r>
-              <a:rPr lang="ja-JP" altLang="en-US" sz="3600" dirty="0">
-                <a:solidFill>
-                  <a:schemeClr val="tx1"/>
-                </a:solidFill>
-              </a:rPr>
-              <a:t>手法を活用して「学生生活</a:t>
-            </a:r>
-            <a:r>
-              <a:rPr lang="ja-JP" altLang="en-US" sz="3600" dirty="0" smtClean="0">
-                <a:solidFill>
-                  <a:schemeClr val="tx1"/>
-                </a:solidFill>
-              </a:rPr>
-              <a:t>アンケート</a:t>
-            </a:r>
-            <a:r>
-              <a:rPr lang="ja-JP" altLang="en-US" sz="3600" dirty="0">
-                <a:solidFill>
-                  <a:schemeClr val="tx1"/>
-                </a:solidFill>
-              </a:rPr>
-              <a:t>」を発展させる</a:t>
-            </a:r>
-            <a:r>
-              <a:rPr lang="ja-JP" altLang="en-US" sz="3600" dirty="0" smtClean="0">
-                <a:solidFill>
-                  <a:schemeClr val="tx1"/>
-                </a:solidFill>
-              </a:rPr>
-              <a:t>こと．</a:t>
-            </a:r>
-            <a:endParaRPr lang="en-US" altLang="ja-JP" sz="3600" dirty="0" smtClean="0">
-              <a:solidFill>
-                <a:schemeClr val="tx1"/>
-              </a:solidFill>
-              <a:latin typeface="+mn-ea"/>
-            </a:endParaRPr>
-          </a:p>
-        </p:txBody>
-      </p:sp>
-      <p:sp>
-        <p:nvSpPr>
-          <p:cNvPr id="29" name="ホームベース 28"/>
-          <p:cNvSpPr/>
-          <p:nvPr/>
-        </p:nvSpPr>
-        <p:spPr>
-          <a:xfrm>
-            <a:off x="493246" y="10784627"/>
-            <a:ext cx="2158099" cy="755597"/>
+            <a:off x="493246" y="3216231"/>
+            <a:ext cx="7959858" cy="739401"/>
           </a:xfrm>
           <a:prstGeom prst="homePlate">
             <a:avLst/>
@@ -4262,7 +4116,7 @@
                   <a:schemeClr val="bg1"/>
                 </a:solidFill>
               </a:rPr>
-              <a:t>目的</a:t>
+              <a:t>研究背景と目的</a:t>
             </a:r>
             <a:endParaRPr lang="ja-JP" altLang="en-US" sz="4400" dirty="0">
               <a:solidFill>
@@ -4274,14 +4128,14 @@
       </p:sp>
       <p:sp>
         <p:nvSpPr>
-          <p:cNvPr id="30" name="ホームベース 29"/>
+          <p:cNvPr id="32" name="ホームベース 31"/>
           <p:cNvSpPr/>
           <p:nvPr/>
         </p:nvSpPr>
         <p:spPr>
           <a:xfrm>
-            <a:off x="493246" y="3109271"/>
-            <a:ext cx="4583529" cy="846362"/>
+            <a:off x="426554" y="14097631"/>
+            <a:ext cx="3970999" cy="826900"/>
           </a:xfrm>
           <a:prstGeom prst="homePlate">
             <a:avLst/>
@@ -4328,21 +4182,21 @@
                   <a:schemeClr val="bg1"/>
                 </a:solidFill>
               </a:rPr>
-              <a:t>背景</a:t>
-            </a:r>
-          </a:p>
-        </p:txBody>
-      </p:sp>
-      <p:sp>
-        <p:nvSpPr>
-          <p:cNvPr id="32" name="ホームベース 31"/>
+              <a:t>方法</a:t>
+            </a:r>
+          </a:p>
+        </p:txBody>
+      </p:sp>
+      <p:sp>
+        <p:nvSpPr>
+          <p:cNvPr id="43" name="ホームベース 42"/>
           <p:cNvSpPr/>
           <p:nvPr/>
         </p:nvSpPr>
         <p:spPr>
           <a:xfrm>
-            <a:off x="457705" y="13642938"/>
-            <a:ext cx="3698113" cy="687221"/>
+            <a:off x="12879637" y="14131875"/>
+            <a:ext cx="4951881" cy="773001"/>
           </a:xfrm>
           <a:prstGeom prst="homePlate">
             <a:avLst/>
@@ -4376,34 +4230,39 @@
           <a:p>
             <a:pPr algn="ctr"/>
             <a:r>
+              <a:rPr lang="ja-JP" altLang="en-US" sz="4400" dirty="0">
+                <a:solidFill>
+                  <a:schemeClr val="bg1"/>
+                </a:solidFill>
+              </a:rPr>
+              <a:t>現在</a:t>
+            </a:r>
+            <a:r>
               <a:rPr lang="ja-JP" altLang="en-US" sz="4400" dirty="0" smtClean="0">
                 <a:solidFill>
                   <a:schemeClr val="bg1"/>
                 </a:solidFill>
               </a:rPr>
-              <a:t>研究</a:t>
-            </a:r>
-            <a:r>
-              <a:rPr lang="ja-JP" altLang="en-US" sz="4400" dirty="0">
-                <a:solidFill>
-                  <a:schemeClr val="bg1"/>
-                </a:solidFill>
-              </a:rPr>
-              <a:t>方法</a:t>
-            </a:r>
-          </a:p>
-        </p:txBody>
-      </p:sp>
-      <p:sp>
-        <p:nvSpPr>
-          <p:cNvPr id="43" name="ホームベース 42"/>
+              <a:t>の進捗状況</a:t>
+            </a:r>
+            <a:endParaRPr lang="ja-JP" altLang="en-US" sz="4400" dirty="0">
+              <a:solidFill>
+                <a:schemeClr val="bg1"/>
+              </a:solidFill>
+            </a:endParaRPr>
+          </a:p>
+        </p:txBody>
+      </p:sp>
+      <p:sp>
+        <p:nvSpPr>
+          <p:cNvPr id="45" name="ホームベース 44"/>
           <p:cNvSpPr/>
           <p:nvPr/>
         </p:nvSpPr>
         <p:spPr>
           <a:xfrm>
-            <a:off x="12879637" y="13769788"/>
-            <a:ext cx="4979111" cy="966580"/>
+            <a:off x="10260390" y="23010452"/>
+            <a:ext cx="3961401" cy="977997"/>
           </a:xfrm>
           <a:prstGeom prst="homePlate">
             <a:avLst/>
@@ -4437,20 +4296,12 @@
           <a:p>
             <a:pPr algn="ctr"/>
             <a:r>
-              <a:rPr lang="ja-JP" altLang="en-US" sz="4400" dirty="0">
+              <a:rPr lang="ja-JP" altLang="en-US" sz="4400" dirty="0" smtClean="0">
                 <a:solidFill>
                   <a:schemeClr val="bg1"/>
                 </a:solidFill>
               </a:rPr>
-              <a:t>現在</a:t>
-            </a:r>
-            <a:r>
-              <a:rPr lang="ja-JP" altLang="en-US" sz="4400" dirty="0" smtClean="0">
-                <a:solidFill>
-                  <a:schemeClr val="bg1"/>
-                </a:solidFill>
-              </a:rPr>
-              <a:t>の進捗状況</a:t>
+              <a:t>今後の計画</a:t>
             </a:r>
             <a:endParaRPr lang="ja-JP" altLang="en-US" sz="4400" dirty="0">
               <a:solidFill>
@@ -4462,64 +4313,6 @@
       </p:sp>
       <p:sp>
         <p:nvSpPr>
-          <p:cNvPr id="45" name="ホームベース 44"/>
-          <p:cNvSpPr/>
-          <p:nvPr/>
-        </p:nvSpPr>
-        <p:spPr>
-          <a:xfrm>
-            <a:off x="10260391" y="23225737"/>
-            <a:ext cx="3729264" cy="762712"/>
-          </a:xfrm>
-          <a:prstGeom prst="homePlate">
-            <a:avLst/>
-          </a:prstGeom>
-          <a:solidFill>
-            <a:schemeClr val="accent1"/>
-          </a:solidFill>
-          <a:ln>
-            <a:noFill/>
-          </a:ln>
-        </p:spPr>
-        <p:style>
-          <a:lnRef idx="2">
-            <a:schemeClr val="accent1">
-              <a:shade val="50000"/>
-            </a:schemeClr>
-          </a:lnRef>
-          <a:fillRef idx="1">
-            <a:schemeClr val="accent1"/>
-          </a:fillRef>
-          <a:effectRef idx="0">
-            <a:schemeClr val="accent1"/>
-          </a:effectRef>
-          <a:fontRef idx="minor">
-            <a:schemeClr val="lt1"/>
-          </a:fontRef>
-        </p:style>
-        <p:txBody>
-          <a:bodyPr lIns="295232" tIns="147616" rIns="295232" bIns="147616" rtlCol="0" anchor="ctr"/>
-          <a:lstStyle/>
-          <a:p>
-            <a:pPr algn="ctr"/>
-            <a:r>
-              <a:rPr lang="ja-JP" altLang="en-US" sz="4400" dirty="0" smtClean="0">
-                <a:solidFill>
-                  <a:schemeClr val="bg1"/>
-                </a:solidFill>
-              </a:rPr>
-              <a:t>今後の計画</a:t>
-            </a:r>
-            <a:endParaRPr lang="ja-JP" altLang="en-US" sz="4400" dirty="0">
-              <a:solidFill>
-                <a:schemeClr val="bg1"/>
-              </a:solidFill>
-            </a:endParaRPr>
-          </a:p>
-        </p:txBody>
-      </p:sp>
-      <p:sp>
-        <p:nvSpPr>
           <p:cNvPr id="25" name="角丸四角形 24"/>
           <p:cNvSpPr/>
           <p:nvPr/>
@@ -4527,7 +4320,7 @@
         <p:spPr>
           <a:xfrm>
             <a:off x="604233" y="4157666"/>
-            <a:ext cx="20146717" cy="3038863"/>
+            <a:ext cx="20146717" cy="1867621"/>
           </a:xfrm>
           <a:prstGeom prst="roundRect">
             <a:avLst/>
@@ -4597,42 +4390,50 @@
               </a:rPr>
               <a:t>．</a:t>
             </a:r>
-            <a:endParaRPr kumimoji="1" lang="en-US" altLang="ja-JP" sz="3600" dirty="0" smtClean="0">
+            <a:r>
+              <a:rPr lang="ja-JP" altLang="en-US" sz="3600" dirty="0" smtClean="0">
+                <a:solidFill>
+                  <a:schemeClr val="tx1"/>
+                </a:solidFill>
+                <a:latin typeface="+mn-ea"/>
+              </a:rPr>
+              <a:t>学生の意識や考え方により深くアプローチしてほしいと感じた．</a:t>
+            </a:r>
+            <a:r>
+              <a:rPr lang="ja-JP" altLang="en-US" sz="3600" dirty="0">
+                <a:solidFill>
+                  <a:schemeClr val="tx1"/>
+                </a:solidFill>
+              </a:rPr>
+              <a:t>様々なデータマイニングの分析手法を活用して「学生生活アンケート」を発展させること</a:t>
+            </a:r>
+            <a:r>
+              <a:rPr lang="ja-JP" altLang="en-US" sz="3600" dirty="0" smtClean="0">
+                <a:solidFill>
+                  <a:schemeClr val="tx1"/>
+                </a:solidFill>
+              </a:rPr>
+              <a:t>．</a:t>
+            </a:r>
+            <a:endParaRPr lang="en-US" altLang="ja-JP" sz="3600" dirty="0">
               <a:solidFill>
                 <a:schemeClr val="tx1"/>
               </a:solidFill>
               <a:latin typeface="+mn-ea"/>
             </a:endParaRPr>
           </a:p>
-          <a:p>
-            <a:r>
-              <a:rPr lang="ja-JP" altLang="en-US" sz="3600" dirty="0" smtClean="0">
-                <a:solidFill>
-                  <a:schemeClr val="tx1"/>
-                </a:solidFill>
-                <a:latin typeface="+mn-ea"/>
-              </a:rPr>
-              <a:t>学生の意識や考え方により深くアプローチしてほしいと感じた．</a:t>
-            </a:r>
-            <a:endParaRPr kumimoji="1" lang="ja-JP" altLang="en-US" sz="3600" dirty="0">
-              <a:solidFill>
-                <a:schemeClr val="tx1"/>
-              </a:solidFill>
-              <a:latin typeface="+mn-ea"/>
-            </a:endParaRPr>
-          </a:p>
-        </p:txBody>
-      </p:sp>
-      <p:sp>
-        <p:nvSpPr>
-          <p:cNvPr id="4" name="正方形/長方形 3"/>
+        </p:txBody>
+      </p:sp>
+      <p:sp>
+        <p:nvSpPr>
+          <p:cNvPr id="47" name="正方形/長方形 46"/>
           <p:cNvSpPr/>
           <p:nvPr/>
         </p:nvSpPr>
         <p:spPr>
           <a:xfrm>
-            <a:off x="180232" y="10594747"/>
-            <a:ext cx="20906812" cy="2313946"/>
+            <a:off x="12587843" y="13898300"/>
+            <a:ext cx="8527382" cy="8520168"/>
           </a:xfrm>
           <a:prstGeom prst="rect">
             <a:avLst/>
@@ -4671,14 +4472,14 @@
       </p:sp>
       <p:sp>
         <p:nvSpPr>
-          <p:cNvPr id="47" name="正方形/長方形 46"/>
+          <p:cNvPr id="48" name="正方形/長方形 47"/>
           <p:cNvSpPr/>
           <p:nvPr/>
         </p:nvSpPr>
         <p:spPr>
           <a:xfrm>
-            <a:off x="12587843" y="13339787"/>
-            <a:ext cx="8527382" cy="8966444"/>
+            <a:off x="9855384" y="22609381"/>
+            <a:ext cx="11259841" cy="7220238"/>
           </a:xfrm>
           <a:prstGeom prst="rect">
             <a:avLst/>
@@ -4717,14 +4518,14 @@
       </p:sp>
       <p:sp>
         <p:nvSpPr>
-          <p:cNvPr id="48" name="正方形/長方形 47"/>
+          <p:cNvPr id="49" name="正方形/長方形 48"/>
           <p:cNvSpPr/>
           <p:nvPr/>
         </p:nvSpPr>
         <p:spPr>
           <a:xfrm>
-            <a:off x="9855384" y="22464546"/>
-            <a:ext cx="11259841" cy="7365073"/>
+            <a:off x="180232" y="13898300"/>
+            <a:ext cx="12282123" cy="8520167"/>
           </a:xfrm>
           <a:prstGeom prst="rect">
             <a:avLst/>
@@ -4763,59 +4564,13 @@
       </p:sp>
       <p:sp>
         <p:nvSpPr>
-          <p:cNvPr id="49" name="正方形/長方形 48"/>
-          <p:cNvSpPr/>
-          <p:nvPr/>
-        </p:nvSpPr>
-        <p:spPr>
-          <a:xfrm>
-            <a:off x="180232" y="13339788"/>
-            <a:ext cx="12282123" cy="8966443"/>
-          </a:xfrm>
-          <a:prstGeom prst="rect">
-            <a:avLst/>
-          </a:prstGeom>
-          <a:noFill/>
-          <a:ln w="38100">
-            <a:solidFill>
-              <a:schemeClr val="tx1"/>
-            </a:solidFill>
-          </a:ln>
-        </p:spPr>
-        <p:style>
-          <a:lnRef idx="2">
-            <a:schemeClr val="accent1">
-              <a:shade val="50000"/>
-            </a:schemeClr>
-          </a:lnRef>
-          <a:fillRef idx="1">
-            <a:schemeClr val="accent1"/>
-          </a:fillRef>
-          <a:effectRef idx="0">
-            <a:schemeClr val="accent1"/>
-          </a:effectRef>
-          <a:fontRef idx="minor">
-            <a:schemeClr val="lt1"/>
-          </a:fontRef>
-        </p:style>
-        <p:txBody>
-          <a:bodyPr rtlCol="0" anchor="ctr"/>
-          <a:lstStyle/>
-          <a:p>
-            <a:pPr algn="ctr"/>
-            <a:endParaRPr kumimoji="1" lang="ja-JP" altLang="en-US"/>
-          </a:p>
-        </p:txBody>
-      </p:sp>
-      <p:sp>
-        <p:nvSpPr>
           <p:cNvPr id="54" name="角丸四角形 53"/>
           <p:cNvSpPr/>
           <p:nvPr/>
         </p:nvSpPr>
         <p:spPr>
           <a:xfrm>
-            <a:off x="426554" y="14482574"/>
+            <a:off x="426554" y="14995971"/>
             <a:ext cx="11385310" cy="7322002"/>
           </a:xfrm>
           <a:prstGeom prst="roundRect">
@@ -5067,7 +4822,7 @@
         </p:nvSpPr>
         <p:spPr>
           <a:xfrm>
-            <a:off x="12879637" y="15167798"/>
+            <a:off x="12879637" y="15095790"/>
             <a:ext cx="8011092" cy="6452909"/>
           </a:xfrm>
           <a:prstGeom prst="roundRect">
@@ -5103,12 +4858,43 @@
           <a:lstStyle/>
           <a:p>
             <a:r>
+              <a:rPr lang="en-US" altLang="ja-JP" sz="4400" dirty="0" smtClean="0">
+                <a:solidFill>
+                  <a:schemeClr val="tx1"/>
+                </a:solidFill>
+              </a:rPr>
+              <a:t>Google</a:t>
+            </a:r>
+            <a:r>
+              <a:rPr lang="ja-JP" altLang="en-US" sz="4400" dirty="0" smtClean="0">
+                <a:solidFill>
+                  <a:schemeClr val="tx1"/>
+                </a:solidFill>
+              </a:rPr>
+              <a:t>フォームでアンケートを作成した．</a:t>
+            </a:r>
+            <a:endParaRPr lang="en-US" altLang="ja-JP" sz="4400" dirty="0" smtClean="0">
+              <a:solidFill>
+                <a:schemeClr val="tx1"/>
+              </a:solidFill>
+            </a:endParaRPr>
+          </a:p>
+          <a:p>
+            <a:r>
+              <a:rPr lang="ja-JP" altLang="en-US" sz="4400" dirty="0" smtClean="0">
+                <a:solidFill>
+                  <a:schemeClr val="tx1"/>
+                </a:solidFill>
+              </a:rPr>
+              <a:t>研究室内</a:t>
+            </a:r>
+            <a:r>
               <a:rPr lang="ja-JP" altLang="en-US" sz="4400" dirty="0">
                 <a:solidFill>
                   <a:schemeClr val="tx1"/>
                 </a:solidFill>
               </a:rPr>
-              <a:t>研究室内で</a:t>
+              <a:t>で</a:t>
             </a:r>
             <a:r>
               <a:rPr lang="en-US" altLang="ja-JP" sz="4400" dirty="0">
@@ -5140,18 +4926,10 @@
                   <a:schemeClr val="tx1"/>
                 </a:solidFill>
               </a:rPr>
-              <a:t>を実施</a:t>
-            </a:r>
-            <a:r>
-              <a:rPr lang="ja-JP" altLang="en-US" sz="4400">
-                <a:solidFill>
-                  <a:schemeClr val="tx1"/>
-                </a:solidFill>
-              </a:rPr>
-              <a:t>した</a:t>
-            </a:r>
-            <a:r>
-              <a:rPr lang="ja-JP" altLang="en-US" sz="4400" smtClean="0">
+              <a:t>を実施した</a:t>
+            </a:r>
+            <a:r>
+              <a:rPr lang="ja-JP" altLang="en-US" sz="4400" dirty="0" smtClean="0">
                 <a:solidFill>
                   <a:schemeClr val="tx1"/>
                 </a:solidFill>
@@ -5174,8 +4952,8 @@
         </p:nvSpPr>
         <p:spPr>
           <a:xfrm>
-            <a:off x="2188408" y="7409123"/>
-            <a:ext cx="4680520" cy="818935"/>
+            <a:off x="2188408" y="6300484"/>
+            <a:ext cx="4680520" cy="744486"/>
           </a:xfrm>
           <a:prstGeom prst="rect">
             <a:avLst/>
@@ -5218,8 +4996,8 @@
         </p:nvSpPr>
         <p:spPr>
           <a:xfrm>
-            <a:off x="14609811" y="7437076"/>
-            <a:ext cx="3221707" cy="818935"/>
+            <a:off x="14609811" y="6328437"/>
+            <a:ext cx="3221707" cy="744486"/>
           </a:xfrm>
           <a:prstGeom prst="rect">
             <a:avLst/>
@@ -5596,8 +5374,8 @@
         </p:nvSpPr>
         <p:spPr>
           <a:xfrm>
-            <a:off x="180232" y="22464546"/>
-            <a:ext cx="9486925" cy="7365073"/>
+            <a:off x="180232" y="22609381"/>
+            <a:ext cx="9486925" cy="7220238"/>
           </a:xfrm>
           <a:prstGeom prst="rect">
             <a:avLst/>
@@ -5821,7 +5599,7 @@
                 </a:solidFill>
                 <a:latin typeface="+mn-ea"/>
               </a:rPr>
-              <a:t>集めたデータの相関関係を分かりやすく表示する分析手法である．データに有効であれば色々手法を試す．</a:t>
+              <a:t>集めたデータの相関関係を分かりやすく表示する分析手法である．データに有効であれば色々な手法を試す．</a:t>
             </a:r>
             <a:endParaRPr kumimoji="1" lang="en-US" altLang="ja-JP" sz="4400" dirty="0" smtClean="0">
               <a:solidFill>
@@ -5829,6 +5607,142 @@
               </a:solidFill>
               <a:latin typeface="+mn-ea"/>
             </a:endParaRPr>
+          </a:p>
+        </p:txBody>
+      </p:sp>
+      <p:pic>
+        <p:nvPicPr>
+          <p:cNvPr id="8" name="図 7"/>
+          <p:cNvPicPr>
+            <a:picLocks noChangeAspect="1"/>
+          </p:cNvPicPr>
+          <p:nvPr/>
+        </p:nvPicPr>
+        <p:blipFill>
+          <a:blip r:embed="rId3">
+            <a:extLst>
+              <a:ext uri="{28A0092B-C50C-407E-A947-70E740481C1C}">
+                <a14:useLocalDpi xmlns:a14="http://schemas.microsoft.com/office/drawing/2010/main" val="0"/>
+              </a:ext>
+            </a:extLst>
+          </a:blip>
+          <a:stretch>
+            <a:fillRect/>
+          </a:stretch>
+        </p:blipFill>
+        <p:spPr>
+          <a:xfrm>
+            <a:off x="10976780" y="8979821"/>
+            <a:ext cx="10116842" cy="4590836"/>
+          </a:xfrm>
+          <a:prstGeom prst="rect">
+            <a:avLst/>
+          </a:prstGeom>
+        </p:spPr>
+      </p:pic>
+      <p:pic>
+        <p:nvPicPr>
+          <p:cNvPr id="9" name="図 8"/>
+          <p:cNvPicPr>
+            <a:picLocks noChangeAspect="1"/>
+          </p:cNvPicPr>
+          <p:nvPr/>
+        </p:nvPicPr>
+        <p:blipFill>
+          <a:blip r:embed="rId4">
+            <a:extLst>
+              <a:ext uri="{28A0092B-C50C-407E-A947-70E740481C1C}">
+                <a14:useLocalDpi xmlns:a14="http://schemas.microsoft.com/office/drawing/2010/main" val="0"/>
+              </a:ext>
+            </a:extLst>
+          </a:blip>
+          <a:stretch>
+            <a:fillRect/>
+          </a:stretch>
+        </p:blipFill>
+        <p:spPr>
+          <a:xfrm>
+            <a:off x="604232" y="8865685"/>
+            <a:ext cx="8506049" cy="4762134"/>
+          </a:xfrm>
+          <a:prstGeom prst="rect">
+            <a:avLst/>
+          </a:prstGeom>
+        </p:spPr>
+      </p:pic>
+      <p:sp>
+        <p:nvSpPr>
+          <p:cNvPr id="2" name="正方形/長方形 1"/>
+          <p:cNvSpPr/>
+          <p:nvPr/>
+        </p:nvSpPr>
+        <p:spPr>
+          <a:xfrm>
+            <a:off x="180232" y="2929585"/>
+            <a:ext cx="20906812" cy="10777800"/>
+          </a:xfrm>
+          <a:prstGeom prst="rect">
+            <a:avLst/>
+          </a:prstGeom>
+          <a:noFill/>
+          <a:ln w="38100">
+            <a:solidFill>
+              <a:schemeClr val="tx1"/>
+            </a:solidFill>
+          </a:ln>
+        </p:spPr>
+        <p:style>
+          <a:lnRef idx="2">
+            <a:schemeClr val="accent1">
+              <a:shade val="50000"/>
+            </a:schemeClr>
+          </a:lnRef>
+          <a:fillRef idx="1">
+            <a:schemeClr val="accent1"/>
+          </a:fillRef>
+          <a:effectRef idx="0">
+            <a:schemeClr val="accent1"/>
+          </a:effectRef>
+          <a:fontRef idx="minor">
+            <a:schemeClr val="lt1"/>
+          </a:fontRef>
+        </p:style>
+        <p:txBody>
+          <a:bodyPr rtlCol="0" anchor="ctr"/>
+          <a:lstStyle/>
+          <a:p>
+            <a:pPr algn="ctr"/>
+            <a:endParaRPr kumimoji="1" lang="ja-JP" altLang="en-US"/>
+          </a:p>
+        </p:txBody>
+      </p:sp>
+      <p:sp>
+        <p:nvSpPr>
+          <p:cNvPr id="4" name="テキスト ボックス 3"/>
+          <p:cNvSpPr txBox="1"/>
+          <p:nvPr/>
+        </p:nvSpPr>
+        <p:spPr>
+          <a:xfrm>
+            <a:off x="14437816" y="12907739"/>
+            <a:ext cx="4536504" cy="646331"/>
+          </a:xfrm>
+          <a:prstGeom prst="rect">
+            <a:avLst/>
+          </a:prstGeom>
+          <a:noFill/>
+        </p:spPr>
+        <p:txBody>
+          <a:bodyPr wrap="square" rtlCol="0">
+            <a:spAutoFit/>
+          </a:bodyPr>
+          <a:lstStyle/>
+          <a:p>
+            <a:r>
+              <a:rPr kumimoji="1" lang="ja-JP" altLang="en-US" sz="3600" dirty="0" smtClean="0"/>
+              <a:t>例：クラスター分析</a:t>
+            </a:r>
+            <a:endParaRPr kumimoji="1" lang="ja-JP" altLang="en-US" sz="3600" dirty="0"/>
           </a:p>
         </p:txBody>
       </p:sp>

--- a/卒業論文/2015/川手元稀/中間ポスター/卒論中間ポスター.pptx
+++ b/卒業論文/2015/川手元稀/中間ポスター/卒論中間ポスター.pptx
@@ -211,7 +211,7 @@
           <a:p>
             <a:fld id="{1355B614-8C80-42CD-A0C7-A8AC0A708725}" type="datetimeFigureOut">
               <a:rPr kumimoji="1" lang="ja-JP" altLang="en-US" smtClean="0"/>
-              <a:t>2016/10/11</a:t>
+              <a:t>2016/10/12</a:t>
             </a:fld>
             <a:endParaRPr kumimoji="1" lang="ja-JP" altLang="en-US"/>
           </a:p>
@@ -726,7 +726,7 @@
           <a:p>
             <a:fld id="{CD18CB5A-6947-405F-A94A-52FF85729738}" type="datetimeFigureOut">
               <a:rPr kumimoji="1" lang="ja-JP" altLang="en-US" smtClean="0"/>
-              <a:t>2016/10/11</a:t>
+              <a:t>2016/10/12</a:t>
             </a:fld>
             <a:endParaRPr kumimoji="1" lang="ja-JP" altLang="en-US"/>
           </a:p>
@@ -928,7 +928,7 @@
           <a:p>
             <a:fld id="{CD18CB5A-6947-405F-A94A-52FF85729738}" type="datetimeFigureOut">
               <a:rPr kumimoji="1" lang="ja-JP" altLang="en-US" smtClean="0"/>
-              <a:t>2016/10/11</a:t>
+              <a:t>2016/10/12</a:t>
             </a:fld>
             <a:endParaRPr kumimoji="1" lang="ja-JP" altLang="en-US"/>
           </a:p>
@@ -1140,7 +1140,7 @@
           <a:p>
             <a:fld id="{CD18CB5A-6947-405F-A94A-52FF85729738}" type="datetimeFigureOut">
               <a:rPr kumimoji="1" lang="ja-JP" altLang="en-US" smtClean="0"/>
-              <a:t>2016/10/11</a:t>
+              <a:t>2016/10/12</a:t>
             </a:fld>
             <a:endParaRPr kumimoji="1" lang="ja-JP" altLang="en-US"/>
           </a:p>
@@ -1342,7 +1342,7 @@
           <a:p>
             <a:fld id="{CD18CB5A-6947-405F-A94A-52FF85729738}" type="datetimeFigureOut">
               <a:rPr kumimoji="1" lang="ja-JP" altLang="en-US" smtClean="0"/>
-              <a:t>2016/10/11</a:t>
+              <a:t>2016/10/12</a:t>
             </a:fld>
             <a:endParaRPr kumimoji="1" lang="ja-JP" altLang="en-US"/>
           </a:p>
@@ -1588,7 +1588,7 @@
           <a:p>
             <a:fld id="{CD18CB5A-6947-405F-A94A-52FF85729738}" type="datetimeFigureOut">
               <a:rPr kumimoji="1" lang="ja-JP" altLang="en-US" smtClean="0"/>
-              <a:t>2016/10/11</a:t>
+              <a:t>2016/10/12</a:t>
             </a:fld>
             <a:endParaRPr kumimoji="1" lang="ja-JP" altLang="en-US"/>
           </a:p>
@@ -1884,7 +1884,7 @@
           <a:p>
             <a:fld id="{CD18CB5A-6947-405F-A94A-52FF85729738}" type="datetimeFigureOut">
               <a:rPr kumimoji="1" lang="ja-JP" altLang="en-US" smtClean="0"/>
-              <a:t>2016/10/11</a:t>
+              <a:t>2016/10/12</a:t>
             </a:fld>
             <a:endParaRPr kumimoji="1" lang="ja-JP" altLang="en-US"/>
           </a:p>
@@ -2315,7 +2315,7 @@
           <a:p>
             <a:fld id="{CD18CB5A-6947-405F-A94A-52FF85729738}" type="datetimeFigureOut">
               <a:rPr kumimoji="1" lang="ja-JP" altLang="en-US" smtClean="0"/>
-              <a:t>2016/10/11</a:t>
+              <a:t>2016/10/12</a:t>
             </a:fld>
             <a:endParaRPr kumimoji="1" lang="ja-JP" altLang="en-US"/>
           </a:p>
@@ -2433,7 +2433,7 @@
           <a:p>
             <a:fld id="{CD18CB5A-6947-405F-A94A-52FF85729738}" type="datetimeFigureOut">
               <a:rPr kumimoji="1" lang="ja-JP" altLang="en-US" smtClean="0"/>
-              <a:t>2016/10/11</a:t>
+              <a:t>2016/10/12</a:t>
             </a:fld>
             <a:endParaRPr kumimoji="1" lang="ja-JP" altLang="en-US"/>
           </a:p>
@@ -2528,7 +2528,7 @@
           <a:p>
             <a:fld id="{CD18CB5A-6947-405F-A94A-52FF85729738}" type="datetimeFigureOut">
               <a:rPr kumimoji="1" lang="ja-JP" altLang="en-US" smtClean="0"/>
-              <a:t>2016/10/11</a:t>
+              <a:t>2016/10/12</a:t>
             </a:fld>
             <a:endParaRPr kumimoji="1" lang="ja-JP" altLang="en-US"/>
           </a:p>
@@ -2837,7 +2837,7 @@
           <a:p>
             <a:fld id="{CD18CB5A-6947-405F-A94A-52FF85729738}" type="datetimeFigureOut">
               <a:rPr kumimoji="1" lang="ja-JP" altLang="en-US" smtClean="0"/>
-              <a:t>2016/10/11</a:t>
+              <a:t>2016/10/12</a:t>
             </a:fld>
             <a:endParaRPr kumimoji="1" lang="ja-JP" altLang="en-US"/>
           </a:p>
@@ -3090,7 +3090,7 @@
           <a:p>
             <a:fld id="{CD18CB5A-6947-405F-A94A-52FF85729738}" type="datetimeFigureOut">
               <a:rPr kumimoji="1" lang="ja-JP" altLang="en-US" smtClean="0"/>
-              <a:t>2016/10/11</a:t>
+              <a:t>2016/10/12</a:t>
             </a:fld>
             <a:endParaRPr kumimoji="1" lang="ja-JP" altLang="en-US"/>
           </a:p>
@@ -3335,7 +3335,7 @@
           <a:p>
             <a:fld id="{CD18CB5A-6947-405F-A94A-52FF85729738}" type="datetimeFigureOut">
               <a:rPr kumimoji="1" lang="ja-JP" altLang="en-US" smtClean="0"/>
-              <a:t>2016/10/11</a:t>
+              <a:t>2016/10/12</a:t>
             </a:fld>
             <a:endParaRPr kumimoji="1" lang="ja-JP" altLang="en-US"/>
           </a:p>
@@ -3992,8 +3992,8 @@
         </p:nvSpPr>
         <p:spPr>
           <a:xfrm>
-            <a:off x="11707658" y="7381193"/>
-            <a:ext cx="9026014" cy="1428917"/>
+            <a:off x="11707658" y="7125232"/>
+            <a:ext cx="9026014" cy="2095059"/>
           </a:xfrm>
           <a:prstGeom prst="roundRect">
             <a:avLst/>
@@ -4049,7 +4049,15 @@
                   <a:sysClr val="windowText" lastClr="000000"/>
                 </a:solidFill>
               </a:rPr>
-              <a:t>行えばより分かるので</a:t>
+              <a:t>行えば学生の意識や考え方がより</a:t>
+            </a:r>
+            <a:r>
+              <a:rPr lang="ja-JP" altLang="en-US" sz="3600" dirty="0" smtClean="0">
+                <a:solidFill>
+                  <a:sysClr val="windowText" lastClr="000000"/>
+                </a:solidFill>
+              </a:rPr>
+              <a:t>分かるので</a:t>
             </a:r>
             <a:r>
               <a:rPr lang="ja-JP" altLang="en-US" sz="3600" dirty="0">
@@ -4195,7 +4203,7 @@
         </p:nvSpPr>
         <p:spPr>
           <a:xfrm>
-            <a:off x="12879637" y="14131875"/>
+            <a:off x="426554" y="21801142"/>
             <a:ext cx="4951881" cy="773001"/>
           </a:xfrm>
           <a:prstGeom prst="homePlate">
@@ -4261,8 +4269,8 @@
         </p:nvSpPr>
         <p:spPr>
           <a:xfrm>
-            <a:off x="10260390" y="23010452"/>
-            <a:ext cx="3961401" cy="977997"/>
+            <a:off x="12997671" y="14146513"/>
+            <a:ext cx="3961401" cy="1137490"/>
           </a:xfrm>
           <a:prstGeom prst="homePlate">
             <a:avLst/>
@@ -4355,71 +4363,103 @@
           <a:lstStyle/>
           <a:p>
             <a:r>
-              <a:rPr kumimoji="1" lang="ja-JP" altLang="en-US" sz="3600" dirty="0" smtClean="0">
+              <a:rPr kumimoji="1" lang="ja-JP" altLang="en-US" sz="4000" dirty="0" smtClean="0">
                 <a:solidFill>
                   <a:schemeClr val="tx1"/>
                 </a:solidFill>
                 <a:latin typeface="+mn-ea"/>
               </a:rPr>
-              <a:t>千葉工業大学の「学生生活アンケート」の内容を見て</a:t>
-            </a:r>
-            <a:r>
-              <a:rPr lang="ja-JP" altLang="en-US" sz="3600" dirty="0">
+              <a:t>千葉工業大学の「学生生活アンケート</a:t>
+            </a:r>
+            <a:r>
+              <a:rPr kumimoji="1" lang="ja-JP" altLang="en-US" sz="4000" dirty="0" smtClean="0">
                 <a:solidFill>
                   <a:schemeClr val="tx1"/>
                 </a:solidFill>
                 <a:latin typeface="+mn-ea"/>
               </a:rPr>
-              <a:t>今</a:t>
-            </a:r>
-            <a:r>
-              <a:rPr lang="ja-JP" altLang="en-US" sz="3600" dirty="0" smtClean="0">
+              <a:t>」</a:t>
+            </a:r>
+            <a:r>
+              <a:rPr lang="ja-JP" altLang="en-US" sz="4000" dirty="0" smtClean="0">
                 <a:solidFill>
                   <a:schemeClr val="tx1"/>
                 </a:solidFill>
                 <a:latin typeface="+mn-ea"/>
               </a:rPr>
-              <a:t>よりも深いところで分析してほしいと思ったため</a:t>
-            </a:r>
-            <a:r>
-              <a:rPr kumimoji="1" lang="ja-JP" altLang="en-US" sz="3600" dirty="0" smtClean="0">
+              <a:t>におい</a:t>
+            </a:r>
+            <a:r>
+              <a:rPr lang="ja-JP" altLang="en-US" sz="4000" dirty="0">
                 <a:solidFill>
                   <a:schemeClr val="tx1"/>
                 </a:solidFill>
                 <a:latin typeface="+mn-ea"/>
               </a:rPr>
-              <a:t>．</a:t>
-            </a:r>
-            <a:r>
-              <a:rPr lang="ja-JP" altLang="en-US" sz="3600" dirty="0" smtClean="0">
+              <a:t>て</a:t>
+            </a:r>
+            <a:r>
+              <a:rPr kumimoji="1" lang="ja-JP" altLang="en-US" sz="4000" dirty="0" smtClean="0">
                 <a:solidFill>
                   <a:schemeClr val="tx1"/>
                 </a:solidFill>
                 <a:latin typeface="+mn-ea"/>
               </a:rPr>
-              <a:t>学生の意識や考え方により深くアプローチしてほしいと感じた．</a:t>
-            </a:r>
-            <a:r>
-              <a:rPr lang="ja-JP" altLang="en-US" sz="3600" dirty="0">
+              <a:t>，各項目ごとでしか分析を行っていない．よって，</a:t>
+            </a:r>
+            <a:r>
+              <a:rPr lang="ja-JP" altLang="en-US" sz="4000" dirty="0" smtClean="0">
                 <a:solidFill>
                   <a:schemeClr val="tx1"/>
                 </a:solidFill>
               </a:rPr>
-              <a:t>様々なデータマイニングの分析手法を活用して「学生生活アンケート」を発展させること</a:t>
-            </a:r>
-            <a:r>
-              <a:rPr lang="ja-JP" altLang="en-US" sz="3600" dirty="0" smtClean="0">
+              <a:t>「</a:t>
+            </a:r>
+            <a:r>
+              <a:rPr lang="ja-JP" altLang="en-US" sz="4000" dirty="0">
                 <a:solidFill>
                   <a:schemeClr val="tx1"/>
                 </a:solidFill>
               </a:rPr>
-              <a:t>．</a:t>
-            </a:r>
-            <a:endParaRPr lang="en-US" altLang="ja-JP" sz="3600" dirty="0">
+              <a:t>学生生活アンケート」を発展</a:t>
+            </a:r>
+            <a:r>
+              <a:rPr lang="ja-JP" altLang="en-US" sz="4000" dirty="0" smtClean="0">
+                <a:solidFill>
+                  <a:schemeClr val="tx1"/>
+                </a:solidFill>
+              </a:rPr>
+              <a:t>させる</a:t>
+            </a:r>
+            <a:r>
+              <a:rPr lang="ja-JP" altLang="en-US" sz="4000" dirty="0" smtClean="0">
+                <a:solidFill>
+                  <a:schemeClr val="tx1"/>
+                </a:solidFill>
+              </a:rPr>
+              <a:t>ため</a:t>
+            </a:r>
+            <a:r>
+              <a:rPr lang="ja-JP" altLang="en-US" sz="4000" dirty="0">
+                <a:solidFill>
+                  <a:schemeClr val="tx1"/>
+                </a:solidFill>
+              </a:rPr>
+              <a:t>に</a:t>
+            </a:r>
+            <a:r>
+              <a:rPr lang="ja-JP" altLang="en-US" sz="4000" dirty="0" smtClean="0">
+                <a:solidFill>
+                  <a:schemeClr val="tx1"/>
+                </a:solidFill>
+                <a:latin typeface="+mn-ea"/>
+              </a:rPr>
+              <a:t>学生の意識や考え方を探し出す様々なデータマイニング分析手法の提案を目的とする．</a:t>
+            </a:r>
+            <a:endParaRPr lang="en-US" altLang="ja-JP" sz="4000" dirty="0" smtClean="0">
               <a:solidFill>
                 <a:schemeClr val="tx1"/>
               </a:solidFill>
-              <a:latin typeface="+mn-ea"/>
             </a:endParaRPr>
           </a:p>
         </p:txBody>
@@ -4432,8 +4472,8 @@
         </p:nvSpPr>
         <p:spPr>
           <a:xfrm>
-            <a:off x="12587843" y="13898300"/>
-            <a:ext cx="8527382" cy="8520168"/>
+            <a:off x="180231" y="21653270"/>
+            <a:ext cx="20906813" cy="8187282"/>
           </a:xfrm>
           <a:prstGeom prst="rect">
             <a:avLst/>
@@ -4478,8 +4518,8 @@
         </p:nvSpPr>
         <p:spPr>
           <a:xfrm>
-            <a:off x="9855384" y="22609381"/>
-            <a:ext cx="11259841" cy="7220238"/>
+            <a:off x="12592665" y="13968420"/>
+            <a:ext cx="8494379" cy="7423815"/>
           </a:xfrm>
           <a:prstGeom prst="rect">
             <a:avLst/>
@@ -4524,8 +4564,8 @@
         </p:nvSpPr>
         <p:spPr>
           <a:xfrm>
-            <a:off x="180232" y="13898300"/>
-            <a:ext cx="12282123" cy="8520167"/>
+            <a:off x="180233" y="13898300"/>
+            <a:ext cx="12036638" cy="7493935"/>
           </a:xfrm>
           <a:prstGeom prst="rect">
             <a:avLst/>
@@ -4571,7 +4611,7 @@
         <p:spPr>
           <a:xfrm>
             <a:off x="426554" y="14995971"/>
-            <a:ext cx="11385310" cy="7322002"/>
+            <a:ext cx="11385310" cy="6192688"/>
           </a:xfrm>
           <a:prstGeom prst="roundRect">
             <a:avLst/>
@@ -4816,136 +4856,6 @@
       </p:sp>
       <p:sp>
         <p:nvSpPr>
-          <p:cNvPr id="56" name="角丸四角形 55"/>
-          <p:cNvSpPr/>
-          <p:nvPr/>
-        </p:nvSpPr>
-        <p:spPr>
-          <a:xfrm>
-            <a:off x="12879637" y="15095790"/>
-            <a:ext cx="8011092" cy="6452909"/>
-          </a:xfrm>
-          <a:prstGeom prst="roundRect">
-            <a:avLst/>
-          </a:prstGeom>
-          <a:solidFill>
-            <a:schemeClr val="bg1"/>
-          </a:solidFill>
-          <a:ln>
-            <a:solidFill>
-              <a:schemeClr val="accent1"/>
-            </a:solidFill>
-          </a:ln>
-        </p:spPr>
-        <p:style>
-          <a:lnRef idx="2">
-            <a:schemeClr val="accent1">
-              <a:shade val="50000"/>
-            </a:schemeClr>
-          </a:lnRef>
-          <a:fillRef idx="1">
-            <a:schemeClr val="accent1"/>
-          </a:fillRef>
-          <a:effectRef idx="0">
-            <a:schemeClr val="accent1"/>
-          </a:effectRef>
-          <a:fontRef idx="minor">
-            <a:schemeClr val="lt1"/>
-          </a:fontRef>
-        </p:style>
-        <p:txBody>
-          <a:bodyPr lIns="295232" tIns="147616" rIns="295232" bIns="147616" rtlCol="0" anchor="ctr"/>
-          <a:lstStyle/>
-          <a:p>
-            <a:r>
-              <a:rPr lang="en-US" altLang="ja-JP" sz="4400" dirty="0" smtClean="0">
-                <a:solidFill>
-                  <a:schemeClr val="tx1"/>
-                </a:solidFill>
-              </a:rPr>
-              <a:t>Google</a:t>
-            </a:r>
-            <a:r>
-              <a:rPr lang="ja-JP" altLang="en-US" sz="4400" dirty="0" smtClean="0">
-                <a:solidFill>
-                  <a:schemeClr val="tx1"/>
-                </a:solidFill>
-              </a:rPr>
-              <a:t>フォームでアンケートを作成した．</a:t>
-            </a:r>
-            <a:endParaRPr lang="en-US" altLang="ja-JP" sz="4400" dirty="0" smtClean="0">
-              <a:solidFill>
-                <a:schemeClr val="tx1"/>
-              </a:solidFill>
-            </a:endParaRPr>
-          </a:p>
-          <a:p>
-            <a:r>
-              <a:rPr lang="ja-JP" altLang="en-US" sz="4400" dirty="0" smtClean="0">
-                <a:solidFill>
-                  <a:schemeClr val="tx1"/>
-                </a:solidFill>
-              </a:rPr>
-              <a:t>研究室内</a:t>
-            </a:r>
-            <a:r>
-              <a:rPr lang="ja-JP" altLang="en-US" sz="4400" dirty="0">
-                <a:solidFill>
-                  <a:schemeClr val="tx1"/>
-                </a:solidFill>
-              </a:rPr>
-              <a:t>で</a:t>
-            </a:r>
-            <a:r>
-              <a:rPr lang="en-US" altLang="ja-JP" sz="4400" dirty="0">
-                <a:solidFill>
-                  <a:schemeClr val="tx1"/>
-                </a:solidFill>
-              </a:rPr>
-              <a:t>22 </a:t>
-            </a:r>
-            <a:r>
-              <a:rPr lang="ja-JP" altLang="en-US" sz="4400" dirty="0">
-                <a:solidFill>
-                  <a:schemeClr val="tx1"/>
-                </a:solidFill>
-              </a:rPr>
-              <a:t>人分</a:t>
-            </a:r>
-            <a:r>
-              <a:rPr lang="ja-JP" altLang="en-US" sz="4400" dirty="0" smtClean="0">
-                <a:solidFill>
-                  <a:schemeClr val="tx1"/>
-                </a:solidFill>
-              </a:rPr>
-              <a:t>のアンケート</a:t>
-            </a:r>
-            <a:r>
-              <a:rPr lang="ja-JP" altLang="en-US" sz="4400" dirty="0">
-                <a:solidFill>
-                  <a:schemeClr val="tx1"/>
-                </a:solidFill>
-              </a:rPr>
-              <a:t>を実施した</a:t>
-            </a:r>
-            <a:r>
-              <a:rPr lang="ja-JP" altLang="en-US" sz="4400" dirty="0" smtClean="0">
-                <a:solidFill>
-                  <a:schemeClr val="tx1"/>
-                </a:solidFill>
-              </a:rPr>
-              <a:t>．現在解析中である．</a:t>
-            </a:r>
-            <a:endParaRPr lang="ja-JP" altLang="en-US" sz="4400" dirty="0">
-              <a:solidFill>
-                <a:schemeClr val="tx1"/>
-              </a:solidFill>
-            </a:endParaRPr>
-          </a:p>
-        </p:txBody>
-      </p:sp>
-      <p:sp>
-        <p:nvSpPr>
           <p:cNvPr id="7" name="正方形/長方形 6"/>
           <p:cNvSpPr/>
           <p:nvPr/>
@@ -4996,7 +4906,7 @@
         </p:nvSpPr>
         <p:spPr>
           <a:xfrm>
-            <a:off x="14609811" y="6328437"/>
+            <a:off x="14609811" y="6258597"/>
             <a:ext cx="3221707" cy="744486"/>
           </a:xfrm>
           <a:prstGeom prst="rect">
@@ -5036,610 +4946,6 @@
           </a:p>
         </p:txBody>
       </p:sp>
-      <p:graphicFrame>
-        <p:nvGraphicFramePr>
-          <p:cNvPr id="16" name="表 15"/>
-          <p:cNvGraphicFramePr>
-            <a:graphicFrameLocks noGrp="1"/>
-          </p:cNvGraphicFramePr>
-          <p:nvPr>
-            <p:extLst>
-              <p:ext uri="{D42A27DB-BD31-4B8C-83A1-F6EECF244321}">
-                <p14:modId xmlns:p14="http://schemas.microsoft.com/office/powerpoint/2010/main" val="2898854811"/>
-              </p:ext>
-            </p:extLst>
-          </p:nvPr>
-        </p:nvGraphicFramePr>
-        <p:xfrm>
-          <a:off x="10260391" y="24534201"/>
-          <a:ext cx="10170241" cy="4259580"/>
-        </p:xfrm>
-        <a:graphic>
-          <a:graphicData uri="http://schemas.openxmlformats.org/drawingml/2006/table">
-            <a:tbl>
-              <a:tblPr>
-                <a:tableStyleId>{BDBED569-4797-4DF1-A0F4-6AAB3CD982D8}</a:tableStyleId>
-              </a:tblPr>
-              <a:tblGrid>
-                <a:gridCol w="2222500"/>
-                <a:gridCol w="7947741"/>
-              </a:tblGrid>
-              <a:tr h="666750">
-                <a:tc>
-                  <a:txBody>
-                    <a:bodyPr/>
-                    <a:lstStyle/>
-                    <a:p>
-                      <a:pPr algn="l" rtl="0" fontAlgn="ctr"/>
-                      <a:r>
-                        <a:rPr lang="ja-JP" altLang="en-US" sz="4400" u="none" strike="noStrike" dirty="0">
-                          <a:effectLst/>
-                        </a:rPr>
-                        <a:t>日程</a:t>
-                      </a:r>
-                      <a:endParaRPr lang="ja-JP" altLang="en-US" sz="4400" b="0" i="0" u="none" strike="noStrike" dirty="0">
-                        <a:solidFill>
-                          <a:srgbClr val="000000"/>
-                        </a:solidFill>
-                        <a:effectLst/>
-                        <a:latin typeface="ＭＳ Ｐゴシック" panose="020B0600070205080204" pitchFamily="50" charset="-128"/>
-                        <a:ea typeface="ＭＳ Ｐゴシック" panose="020B0600070205080204" pitchFamily="50" charset="-128"/>
-                      </a:endParaRPr>
-                    </a:p>
-                  </a:txBody>
-                  <a:tcPr marL="9525" marR="9525" marT="9525" marB="0" anchor="ctr"/>
-                </a:tc>
-                <a:tc>
-                  <a:txBody>
-                    <a:bodyPr/>
-                    <a:lstStyle/>
-                    <a:p>
-                      <a:pPr algn="l" fontAlgn="ctr"/>
-                      <a:r>
-                        <a:rPr lang="ja-JP" altLang="en-US" sz="4400" u="none" strike="noStrike" dirty="0">
-                          <a:effectLst/>
-                        </a:rPr>
-                        <a:t>内容</a:t>
-                      </a:r>
-                      <a:endParaRPr lang="ja-JP" altLang="en-US" sz="4400" b="0" i="0" u="none" strike="noStrike" dirty="0">
-                        <a:solidFill>
-                          <a:srgbClr val="000000"/>
-                        </a:solidFill>
-                        <a:effectLst/>
-                        <a:latin typeface="ＭＳ Ｐゴシック" panose="020B0600070205080204" pitchFamily="50" charset="-128"/>
-                        <a:ea typeface="ＭＳ Ｐゴシック" panose="020B0600070205080204" pitchFamily="50" charset="-128"/>
-                      </a:endParaRPr>
-                    </a:p>
-                  </a:txBody>
-                  <a:tcPr marL="9525" marR="9525" marT="9525" marB="0" anchor="ctr"/>
-                </a:tc>
-              </a:tr>
-              <a:tr h="742950">
-                <a:tc>
-                  <a:txBody>
-                    <a:bodyPr/>
-                    <a:lstStyle/>
-                    <a:p>
-                      <a:pPr algn="l" rtl="0" fontAlgn="ctr"/>
-                      <a:r>
-                        <a:rPr lang="en-US" altLang="ja-JP" sz="4400" u="none" strike="noStrike">
-                          <a:effectLst/>
-                        </a:rPr>
-                        <a:t>10 </a:t>
-                      </a:r>
-                      <a:r>
-                        <a:rPr lang="ja-JP" altLang="en-US" sz="4400" u="none" strike="noStrike">
-                          <a:effectLst/>
-                        </a:rPr>
-                        <a:t>月　</a:t>
-                      </a:r>
-                      <a:endParaRPr lang="ja-JP" altLang="en-US" sz="4400" b="0" i="0" u="none" strike="noStrike">
-                        <a:solidFill>
-                          <a:srgbClr val="000000"/>
-                        </a:solidFill>
-                        <a:effectLst/>
-                        <a:latin typeface="Calibri" panose="020F0502020204030204" pitchFamily="34" charset="0"/>
-                        <a:ea typeface="ＭＳ Ｐゴシック" panose="020B0600070205080204" pitchFamily="50" charset="-128"/>
-                      </a:endParaRPr>
-                    </a:p>
-                  </a:txBody>
-                  <a:tcPr marL="9525" marR="9525" marT="9525" marB="0" anchor="ctr"/>
-                </a:tc>
-                <a:tc>
-                  <a:txBody>
-                    <a:bodyPr/>
-                    <a:lstStyle/>
-                    <a:p>
-                      <a:pPr algn="l" fontAlgn="ctr"/>
-                      <a:r>
-                        <a:rPr lang="ja-JP" altLang="en-US" sz="4400" u="none" strike="noStrike" dirty="0">
-                          <a:effectLst/>
-                        </a:rPr>
-                        <a:t>残り</a:t>
-                      </a:r>
-                      <a:r>
-                        <a:rPr lang="en-US" altLang="ja-JP" sz="4400" u="none" strike="noStrike" dirty="0">
-                          <a:effectLst/>
-                        </a:rPr>
-                        <a:t>78 </a:t>
-                      </a:r>
-                      <a:r>
-                        <a:rPr lang="ja-JP" altLang="en-US" sz="4400" u="none" strike="noStrike" dirty="0">
-                          <a:effectLst/>
-                        </a:rPr>
-                        <a:t>人分のアンケートを実施</a:t>
-                      </a:r>
-                      <a:endParaRPr lang="ja-JP" altLang="en-US" sz="4400" b="0" i="0" u="none" strike="noStrike" dirty="0">
-                        <a:solidFill>
-                          <a:srgbClr val="000000"/>
-                        </a:solidFill>
-                        <a:effectLst/>
-                        <a:latin typeface="ＭＳ Ｐゴシック" panose="020B0600070205080204" pitchFamily="50" charset="-128"/>
-                        <a:ea typeface="ＭＳ Ｐゴシック" panose="020B0600070205080204" pitchFamily="50" charset="-128"/>
-                      </a:endParaRPr>
-                    </a:p>
-                  </a:txBody>
-                  <a:tcPr marL="9525" marR="9525" marT="9525" marB="0" anchor="ctr"/>
-                </a:tc>
-              </a:tr>
-              <a:tr h="742950">
-                <a:tc>
-                  <a:txBody>
-                    <a:bodyPr/>
-                    <a:lstStyle/>
-                    <a:p>
-                      <a:pPr algn="l" rtl="0" fontAlgn="ctr"/>
-                      <a:r>
-                        <a:rPr lang="en-US" altLang="ja-JP" sz="4400" u="none" strike="noStrike">
-                          <a:effectLst/>
-                        </a:rPr>
-                        <a:t>11 </a:t>
-                      </a:r>
-                      <a:r>
-                        <a:rPr lang="ja-JP" altLang="en-US" sz="4400" u="none" strike="noStrike">
-                          <a:effectLst/>
-                        </a:rPr>
-                        <a:t>月</a:t>
-                      </a:r>
-                      <a:endParaRPr lang="ja-JP" altLang="en-US" sz="4400" b="0" i="0" u="none" strike="noStrike">
-                        <a:solidFill>
-                          <a:srgbClr val="000000"/>
-                        </a:solidFill>
-                        <a:effectLst/>
-                        <a:latin typeface="Calibri" panose="020F0502020204030204" pitchFamily="34" charset="0"/>
-                        <a:ea typeface="ＭＳ Ｐゴシック" panose="020B0600070205080204" pitchFamily="50" charset="-128"/>
-                      </a:endParaRPr>
-                    </a:p>
-                  </a:txBody>
-                  <a:tcPr marL="9525" marR="9525" marT="9525" marB="0" anchor="ctr"/>
-                </a:tc>
-                <a:tc>
-                  <a:txBody>
-                    <a:bodyPr/>
-                    <a:lstStyle/>
-                    <a:p>
-                      <a:pPr algn="l" fontAlgn="ctr"/>
-                      <a:r>
-                        <a:rPr lang="ja-JP" altLang="en-US" sz="4400" u="none" strike="noStrike" dirty="0">
-                          <a:effectLst/>
-                        </a:rPr>
-                        <a:t>回収したデータの分析，解析</a:t>
-                      </a:r>
-                      <a:endParaRPr lang="ja-JP" altLang="en-US" sz="4400" b="0" i="0" u="none" strike="noStrike" dirty="0">
-                        <a:solidFill>
-                          <a:srgbClr val="000000"/>
-                        </a:solidFill>
-                        <a:effectLst/>
-                        <a:latin typeface="ＭＳ Ｐゴシック" panose="020B0600070205080204" pitchFamily="50" charset="-128"/>
-                        <a:ea typeface="ＭＳ Ｐゴシック" panose="020B0600070205080204" pitchFamily="50" charset="-128"/>
-                      </a:endParaRPr>
-                    </a:p>
-                  </a:txBody>
-                  <a:tcPr marL="9525" marR="9525" marT="9525" marB="0" anchor="ctr"/>
-                </a:tc>
-              </a:tr>
-              <a:tr h="1314450">
-                <a:tc>
-                  <a:txBody>
-                    <a:bodyPr/>
-                    <a:lstStyle/>
-                    <a:p>
-                      <a:pPr algn="l" rtl="0" fontAlgn="ctr"/>
-                      <a:r>
-                        <a:rPr lang="en-US" altLang="ja-JP" sz="4400" u="none" strike="noStrike">
-                          <a:effectLst/>
-                        </a:rPr>
-                        <a:t>12 </a:t>
-                      </a:r>
-                      <a:r>
-                        <a:rPr lang="ja-JP" altLang="en-US" sz="4400" u="none" strike="noStrike">
-                          <a:effectLst/>
-                        </a:rPr>
-                        <a:t>月　</a:t>
-                      </a:r>
-                      <a:endParaRPr lang="ja-JP" altLang="en-US" sz="4400" b="0" i="0" u="none" strike="noStrike">
-                        <a:solidFill>
-                          <a:srgbClr val="000000"/>
-                        </a:solidFill>
-                        <a:effectLst/>
-                        <a:latin typeface="Calibri" panose="020F0502020204030204" pitchFamily="34" charset="0"/>
-                        <a:ea typeface="ＭＳ Ｐゴシック" panose="020B0600070205080204" pitchFamily="50" charset="-128"/>
-                      </a:endParaRPr>
-                    </a:p>
-                  </a:txBody>
-                  <a:tcPr marL="9525" marR="9525" marT="9525" marB="0" anchor="ctr"/>
-                </a:tc>
-                <a:tc>
-                  <a:txBody>
-                    <a:bodyPr/>
-                    <a:lstStyle/>
-                    <a:p>
-                      <a:pPr algn="l" fontAlgn="ctr"/>
-                      <a:r>
-                        <a:rPr lang="ja-JP" altLang="en-US" sz="4400" u="none" strike="noStrike">
-                          <a:effectLst/>
-                        </a:rPr>
-                        <a:t>学生の意識と考え方が最も可視化出来た結果を提案</a:t>
-                      </a:r>
-                      <a:endParaRPr lang="ja-JP" altLang="en-US" sz="4400" b="0" i="0" u="none" strike="noStrike">
-                        <a:solidFill>
-                          <a:srgbClr val="000000"/>
-                        </a:solidFill>
-                        <a:effectLst/>
-                        <a:latin typeface="ＭＳ Ｐゴシック" panose="020B0600070205080204" pitchFamily="50" charset="-128"/>
-                        <a:ea typeface="ＭＳ Ｐゴシック" panose="020B0600070205080204" pitchFamily="50" charset="-128"/>
-                      </a:endParaRPr>
-                    </a:p>
-                  </a:txBody>
-                  <a:tcPr marL="9525" marR="9525" marT="9525" marB="0" anchor="ctr"/>
-                </a:tc>
-              </a:tr>
-              <a:tr h="742950">
-                <a:tc>
-                  <a:txBody>
-                    <a:bodyPr/>
-                    <a:lstStyle/>
-                    <a:p>
-                      <a:pPr algn="l" rtl="0" fontAlgn="ctr"/>
-                      <a:r>
-                        <a:rPr lang="en-US" altLang="ja-JP" sz="4400" u="none" strike="noStrike" dirty="0">
-                          <a:effectLst/>
-                        </a:rPr>
-                        <a:t>1 </a:t>
-                      </a:r>
-                      <a:r>
-                        <a:rPr lang="ja-JP" altLang="en-US" sz="4400" u="none" strike="noStrike" dirty="0">
-                          <a:effectLst/>
-                        </a:rPr>
-                        <a:t>月</a:t>
-                      </a:r>
-                      <a:r>
-                        <a:rPr lang="en-US" altLang="ja-JP" sz="4400" u="none" strike="noStrike" dirty="0">
-                          <a:effectLst/>
-                        </a:rPr>
-                        <a:t>,2 </a:t>
-                      </a:r>
-                      <a:r>
-                        <a:rPr lang="ja-JP" altLang="en-US" sz="4400" u="none" strike="noStrike" dirty="0">
-                          <a:effectLst/>
-                        </a:rPr>
-                        <a:t>月</a:t>
-                      </a:r>
-                      <a:endParaRPr lang="ja-JP" altLang="en-US" sz="4400" b="0" i="0" u="none" strike="noStrike" dirty="0">
-                        <a:solidFill>
-                          <a:srgbClr val="000000"/>
-                        </a:solidFill>
-                        <a:effectLst/>
-                        <a:latin typeface="Calibri" panose="020F0502020204030204" pitchFamily="34" charset="0"/>
-                        <a:ea typeface="ＭＳ Ｐゴシック" panose="020B0600070205080204" pitchFamily="50" charset="-128"/>
-                      </a:endParaRPr>
-                    </a:p>
-                  </a:txBody>
-                  <a:tcPr marL="9525" marR="9525" marT="9525" marB="0" anchor="ctr"/>
-                </a:tc>
-                <a:tc>
-                  <a:txBody>
-                    <a:bodyPr/>
-                    <a:lstStyle/>
-                    <a:p>
-                      <a:pPr algn="l" fontAlgn="ctr"/>
-                      <a:r>
-                        <a:rPr lang="ja-JP" altLang="en-US" sz="4400" u="none" strike="noStrike" dirty="0">
-                          <a:effectLst/>
-                        </a:rPr>
-                        <a:t>論文の執筆，発表資料の作成</a:t>
-                      </a:r>
-                      <a:endParaRPr lang="ja-JP" altLang="en-US" sz="4400" b="0" i="0" u="none" strike="noStrike" dirty="0">
-                        <a:solidFill>
-                          <a:srgbClr val="000000"/>
-                        </a:solidFill>
-                        <a:effectLst/>
-                        <a:latin typeface="ＭＳ Ｐゴシック" panose="020B0600070205080204" pitchFamily="50" charset="-128"/>
-                        <a:ea typeface="ＭＳ Ｐゴシック" panose="020B0600070205080204" pitchFamily="50" charset="-128"/>
-                      </a:endParaRPr>
-                    </a:p>
-                  </a:txBody>
-                  <a:tcPr marL="9525" marR="9525" marT="9525" marB="0" anchor="ctr"/>
-                </a:tc>
-              </a:tr>
-            </a:tbl>
-          </a:graphicData>
-        </a:graphic>
-      </p:graphicFrame>
-      <p:sp>
-        <p:nvSpPr>
-          <p:cNvPr id="39" name="正方形/長方形 38"/>
-          <p:cNvSpPr/>
-          <p:nvPr/>
-        </p:nvSpPr>
-        <p:spPr>
-          <a:xfrm>
-            <a:off x="180232" y="22609381"/>
-            <a:ext cx="9486925" cy="7220238"/>
-          </a:xfrm>
-          <a:prstGeom prst="rect">
-            <a:avLst/>
-          </a:prstGeom>
-          <a:noFill/>
-          <a:ln w="38100">
-            <a:solidFill>
-              <a:schemeClr val="tx1"/>
-            </a:solidFill>
-          </a:ln>
-        </p:spPr>
-        <p:style>
-          <a:lnRef idx="2">
-            <a:schemeClr val="accent1">
-              <a:shade val="50000"/>
-            </a:schemeClr>
-          </a:lnRef>
-          <a:fillRef idx="1">
-            <a:schemeClr val="accent1"/>
-          </a:fillRef>
-          <a:effectRef idx="0">
-            <a:schemeClr val="accent1"/>
-          </a:effectRef>
-          <a:fontRef idx="minor">
-            <a:schemeClr val="lt1"/>
-          </a:fontRef>
-        </p:style>
-        <p:txBody>
-          <a:bodyPr rtlCol="0" anchor="ctr"/>
-          <a:lstStyle/>
-          <a:p>
-            <a:pPr algn="ctr"/>
-            <a:endParaRPr kumimoji="1" lang="ja-JP" altLang="en-US"/>
-          </a:p>
-        </p:txBody>
-      </p:sp>
-      <p:sp>
-        <p:nvSpPr>
-          <p:cNvPr id="40" name="ホームベース 39"/>
-          <p:cNvSpPr/>
-          <p:nvPr/>
-        </p:nvSpPr>
-        <p:spPr>
-          <a:xfrm>
-            <a:off x="493246" y="23010452"/>
-            <a:ext cx="6599754" cy="762712"/>
-          </a:xfrm>
-          <a:prstGeom prst="homePlate">
-            <a:avLst/>
-          </a:prstGeom>
-          <a:solidFill>
-            <a:schemeClr val="accent1"/>
-          </a:solidFill>
-          <a:ln>
-            <a:noFill/>
-          </a:ln>
-        </p:spPr>
-        <p:style>
-          <a:lnRef idx="2">
-            <a:schemeClr val="accent1">
-              <a:shade val="50000"/>
-            </a:schemeClr>
-          </a:lnRef>
-          <a:fillRef idx="1">
-            <a:schemeClr val="accent1"/>
-          </a:fillRef>
-          <a:effectRef idx="0">
-            <a:schemeClr val="accent1"/>
-          </a:effectRef>
-          <a:fontRef idx="minor">
-            <a:schemeClr val="lt1"/>
-          </a:fontRef>
-        </p:style>
-        <p:txBody>
-          <a:bodyPr lIns="295232" tIns="147616" rIns="295232" bIns="147616" rtlCol="0" anchor="ctr"/>
-          <a:lstStyle/>
-          <a:p>
-            <a:pPr algn="ctr"/>
-            <a:r>
-              <a:rPr lang="ja-JP" altLang="en-US" sz="4400" dirty="0" smtClean="0">
-                <a:solidFill>
-                  <a:schemeClr val="bg1"/>
-                </a:solidFill>
-              </a:rPr>
-              <a:t>活用</a:t>
-            </a:r>
-            <a:r>
-              <a:rPr lang="ja-JP" altLang="en-US" sz="4400" dirty="0">
-                <a:solidFill>
-                  <a:schemeClr val="bg1"/>
-                </a:solidFill>
-              </a:rPr>
-              <a:t>予定</a:t>
-            </a:r>
-            <a:r>
-              <a:rPr lang="ja-JP" altLang="en-US" sz="4400" dirty="0" smtClean="0">
-                <a:solidFill>
-                  <a:schemeClr val="bg1"/>
-                </a:solidFill>
-              </a:rPr>
-              <a:t>の分析手法</a:t>
-            </a:r>
-            <a:endParaRPr lang="ja-JP" altLang="en-US" sz="4400" dirty="0">
-              <a:solidFill>
-                <a:schemeClr val="bg1"/>
-              </a:solidFill>
-            </a:endParaRPr>
-          </a:p>
-        </p:txBody>
-      </p:sp>
-      <p:sp>
-        <p:nvSpPr>
-          <p:cNvPr id="41" name="角丸四角形 40"/>
-          <p:cNvSpPr/>
-          <p:nvPr/>
-        </p:nvSpPr>
-        <p:spPr>
-          <a:xfrm>
-            <a:off x="426554" y="23916045"/>
-            <a:ext cx="8835596" cy="5625542"/>
-          </a:xfrm>
-          <a:prstGeom prst="roundRect">
-            <a:avLst/>
-          </a:prstGeom>
-          <a:solidFill>
-            <a:schemeClr val="bg1"/>
-          </a:solidFill>
-          <a:ln>
-            <a:solidFill>
-              <a:schemeClr val="accent1"/>
-            </a:solidFill>
-          </a:ln>
-        </p:spPr>
-        <p:style>
-          <a:lnRef idx="2">
-            <a:schemeClr val="accent1">
-              <a:shade val="50000"/>
-            </a:schemeClr>
-          </a:lnRef>
-          <a:fillRef idx="1">
-            <a:schemeClr val="accent1"/>
-          </a:fillRef>
-          <a:effectRef idx="0">
-            <a:schemeClr val="accent1"/>
-          </a:effectRef>
-          <a:fontRef idx="minor">
-            <a:schemeClr val="lt1"/>
-          </a:fontRef>
-        </p:style>
-        <p:txBody>
-          <a:bodyPr lIns="295232" tIns="147616" rIns="295232" bIns="147616" rtlCol="0" anchor="ctr"/>
-          <a:lstStyle/>
-          <a:p>
-            <a:pPr marL="742950" indent="-742950">
-              <a:buFont typeface="+mj-lt"/>
-              <a:buAutoNum type="arabicPeriod"/>
-            </a:pPr>
-            <a:r>
-              <a:rPr kumimoji="1" lang="ja-JP" altLang="en-US" sz="5400" dirty="0" smtClean="0">
-                <a:solidFill>
-                  <a:srgbClr val="FF0000"/>
-                </a:solidFill>
-                <a:latin typeface="+mn-ea"/>
-              </a:rPr>
-              <a:t>因子分析</a:t>
-            </a:r>
-            <a:endParaRPr kumimoji="1" lang="en-US" altLang="ja-JP" sz="5400" dirty="0" smtClean="0">
-              <a:solidFill>
-                <a:srgbClr val="FF0000"/>
-              </a:solidFill>
-              <a:latin typeface="+mn-ea"/>
-            </a:endParaRPr>
-          </a:p>
-          <a:p>
-            <a:pPr marL="742950" indent="-742950">
-              <a:buFont typeface="+mj-lt"/>
-              <a:buAutoNum type="arabicPeriod"/>
-            </a:pPr>
-            <a:r>
-              <a:rPr lang="ja-JP" altLang="en-US" sz="5400" dirty="0" smtClean="0">
-                <a:solidFill>
-                  <a:srgbClr val="FF0000"/>
-                </a:solidFill>
-                <a:latin typeface="+mn-ea"/>
-              </a:rPr>
-              <a:t>クラスター分析</a:t>
-            </a:r>
-            <a:endParaRPr lang="en-US" altLang="ja-JP" sz="5400" dirty="0" smtClean="0">
-              <a:solidFill>
-                <a:srgbClr val="FF0000"/>
-              </a:solidFill>
-              <a:latin typeface="+mn-ea"/>
-            </a:endParaRPr>
-          </a:p>
-          <a:p>
-            <a:pPr marL="742950" indent="-742950">
-              <a:buFont typeface="+mj-lt"/>
-              <a:buAutoNum type="arabicPeriod"/>
-            </a:pPr>
-            <a:r>
-              <a:rPr kumimoji="1" lang="ja-JP" altLang="en-US" sz="5400" dirty="0" smtClean="0">
-                <a:solidFill>
-                  <a:srgbClr val="FF0000"/>
-                </a:solidFill>
-                <a:latin typeface="+mn-ea"/>
-              </a:rPr>
-              <a:t>対応分析</a:t>
-            </a:r>
-            <a:endParaRPr kumimoji="1" lang="en-US" altLang="ja-JP" sz="4400" dirty="0" smtClean="0">
-              <a:solidFill>
-                <a:schemeClr val="tx1"/>
-              </a:solidFill>
-              <a:latin typeface="+mn-ea"/>
-            </a:endParaRPr>
-          </a:p>
-          <a:p>
-            <a:r>
-              <a:rPr lang="ja-JP" altLang="en-US" sz="4400" dirty="0" smtClean="0">
-                <a:solidFill>
-                  <a:schemeClr val="tx1"/>
-                </a:solidFill>
-                <a:latin typeface="+mn-ea"/>
-              </a:rPr>
-              <a:t>集めたデータの相関関係を分かりやすく表示する分析手法である．データに有効であれば色々な手法を試す．</a:t>
-            </a:r>
-            <a:endParaRPr kumimoji="1" lang="en-US" altLang="ja-JP" sz="4400" dirty="0" smtClean="0">
-              <a:solidFill>
-                <a:schemeClr val="tx1"/>
-              </a:solidFill>
-              <a:latin typeface="+mn-ea"/>
-            </a:endParaRPr>
-          </a:p>
-        </p:txBody>
-      </p:sp>
-      <p:pic>
-        <p:nvPicPr>
-          <p:cNvPr id="8" name="図 7"/>
-          <p:cNvPicPr>
-            <a:picLocks noChangeAspect="1"/>
-          </p:cNvPicPr>
-          <p:nvPr/>
-        </p:nvPicPr>
-        <p:blipFill>
-          <a:blip r:embed="rId3">
-            <a:extLst>
-              <a:ext uri="{28A0092B-C50C-407E-A947-70E740481C1C}">
-                <a14:useLocalDpi xmlns:a14="http://schemas.microsoft.com/office/drawing/2010/main" val="0"/>
-              </a:ext>
-            </a:extLst>
-          </a:blip>
-          <a:stretch>
-            <a:fillRect/>
-          </a:stretch>
-        </p:blipFill>
-        <p:spPr>
-          <a:xfrm>
-            <a:off x="10976780" y="8979821"/>
-            <a:ext cx="10116842" cy="4590836"/>
-          </a:xfrm>
-          <a:prstGeom prst="rect">
-            <a:avLst/>
-          </a:prstGeom>
-        </p:spPr>
-      </p:pic>
       <p:pic>
         <p:nvPicPr>
           <p:cNvPr id="9" name="図 8"/>
@@ -5649,7 +4955,7 @@
           <p:nvPr/>
         </p:nvPicPr>
         <p:blipFill>
-          <a:blip r:embed="rId4">
+          <a:blip r:embed="rId3">
             <a:extLst>
               <a:ext uri="{28A0092B-C50C-407E-A947-70E740481C1C}">
                 <a14:useLocalDpi xmlns:a14="http://schemas.microsoft.com/office/drawing/2010/main" val="0"/>
@@ -5670,6 +4976,366 @@
           </a:prstGeom>
         </p:spPr>
       </p:pic>
+      <p:graphicFrame>
+        <p:nvGraphicFramePr>
+          <p:cNvPr id="16" name="表 15"/>
+          <p:cNvGraphicFramePr>
+            <a:graphicFrameLocks noGrp="1"/>
+          </p:cNvGraphicFramePr>
+          <p:nvPr>
+            <p:extLst>
+              <p:ext uri="{D42A27DB-BD31-4B8C-83A1-F6EECF244321}">
+                <p14:modId xmlns:p14="http://schemas.microsoft.com/office/powerpoint/2010/main" val="929726020"/>
+              </p:ext>
+            </p:extLst>
+          </p:nvPr>
+        </p:nvGraphicFramePr>
+        <p:xfrm>
+          <a:off x="12781632" y="15500027"/>
+          <a:ext cx="8209100" cy="5678058"/>
+        </p:xfrm>
+        <a:graphic>
+          <a:graphicData uri="http://schemas.openxmlformats.org/drawingml/2006/table">
+            <a:tbl>
+              <a:tblPr>
+                <a:tableStyleId>{BDBED569-4797-4DF1-A0F4-6AAB3CD982D8}</a:tableStyleId>
+              </a:tblPr>
+              <a:tblGrid>
+                <a:gridCol w="1487863"/>
+                <a:gridCol w="6721237"/>
+              </a:tblGrid>
+              <a:tr h="686907">
+                <a:tc>
+                  <a:txBody>
+                    <a:bodyPr/>
+                    <a:lstStyle/>
+                    <a:p>
+                      <a:pPr algn="l" rtl="0" fontAlgn="ctr"/>
+                      <a:r>
+                        <a:rPr lang="ja-JP" altLang="en-US" sz="3600" u="none" strike="noStrike" dirty="0">
+                          <a:effectLst/>
+                        </a:rPr>
+                        <a:t>日程</a:t>
+                      </a:r>
+                      <a:endParaRPr lang="ja-JP" altLang="en-US" sz="3600" b="0" i="0" u="none" strike="noStrike" dirty="0">
+                        <a:solidFill>
+                          <a:srgbClr val="000000"/>
+                        </a:solidFill>
+                        <a:effectLst/>
+                        <a:latin typeface="ＭＳ Ｐゴシック" panose="020B0600070205080204" pitchFamily="50" charset="-128"/>
+                        <a:ea typeface="ＭＳ Ｐゴシック" panose="020B0600070205080204" pitchFamily="50" charset="-128"/>
+                      </a:endParaRPr>
+                    </a:p>
+                  </a:txBody>
+                  <a:tcPr marL="9525" marR="9525" marT="9525" marB="0" anchor="ctr"/>
+                </a:tc>
+                <a:tc>
+                  <a:txBody>
+                    <a:bodyPr/>
+                    <a:lstStyle/>
+                    <a:p>
+                      <a:pPr algn="l" fontAlgn="ctr"/>
+                      <a:r>
+                        <a:rPr lang="ja-JP" altLang="en-US" sz="3600" u="none" strike="noStrike" dirty="0">
+                          <a:effectLst/>
+                        </a:rPr>
+                        <a:t>内容</a:t>
+                      </a:r>
+                      <a:endParaRPr lang="ja-JP" altLang="en-US" sz="3600" b="0" i="0" u="none" strike="noStrike" dirty="0">
+                        <a:solidFill>
+                          <a:srgbClr val="000000"/>
+                        </a:solidFill>
+                        <a:effectLst/>
+                        <a:latin typeface="ＭＳ Ｐゴシック" panose="020B0600070205080204" pitchFamily="50" charset="-128"/>
+                        <a:ea typeface="ＭＳ Ｐゴシック" panose="020B0600070205080204" pitchFamily="50" charset="-128"/>
+                      </a:endParaRPr>
+                    </a:p>
+                  </a:txBody>
+                  <a:tcPr marL="9525" marR="9525" marT="9525" marB="0" anchor="ctr"/>
+                </a:tc>
+              </a:tr>
+              <a:tr h="1099441">
+                <a:tc>
+                  <a:txBody>
+                    <a:bodyPr/>
+                    <a:lstStyle/>
+                    <a:p>
+                      <a:pPr algn="l" rtl="0" fontAlgn="ctr"/>
+                      <a:r>
+                        <a:rPr lang="en-US" altLang="ja-JP" sz="3600" u="none" strike="noStrike">
+                          <a:effectLst/>
+                        </a:rPr>
+                        <a:t>10 </a:t>
+                      </a:r>
+                      <a:r>
+                        <a:rPr lang="ja-JP" altLang="en-US" sz="3600" u="none" strike="noStrike">
+                          <a:effectLst/>
+                        </a:rPr>
+                        <a:t>月　</a:t>
+                      </a:r>
+                      <a:endParaRPr lang="ja-JP" altLang="en-US" sz="3600" b="0" i="0" u="none" strike="noStrike">
+                        <a:solidFill>
+                          <a:srgbClr val="000000"/>
+                        </a:solidFill>
+                        <a:effectLst/>
+                        <a:latin typeface="Calibri" panose="020F0502020204030204" pitchFamily="34" charset="0"/>
+                        <a:ea typeface="ＭＳ Ｐゴシック" panose="020B0600070205080204" pitchFamily="50" charset="-128"/>
+                      </a:endParaRPr>
+                    </a:p>
+                  </a:txBody>
+                  <a:tcPr marL="9525" marR="9525" marT="9525" marB="0" anchor="ctr"/>
+                </a:tc>
+                <a:tc>
+                  <a:txBody>
+                    <a:bodyPr/>
+                    <a:lstStyle/>
+                    <a:p>
+                      <a:pPr algn="l" fontAlgn="ctr"/>
+                      <a:r>
+                        <a:rPr lang="ja-JP" altLang="en-US" sz="3600" u="none" strike="noStrike" dirty="0">
+                          <a:effectLst/>
+                        </a:rPr>
+                        <a:t>残り</a:t>
+                      </a:r>
+                      <a:r>
+                        <a:rPr lang="en-US" altLang="ja-JP" sz="3600" u="none" strike="noStrike" dirty="0">
+                          <a:effectLst/>
+                        </a:rPr>
+                        <a:t>78 </a:t>
+                      </a:r>
+                      <a:r>
+                        <a:rPr lang="ja-JP" altLang="en-US" sz="3600" u="none" strike="noStrike" dirty="0">
+                          <a:effectLst/>
+                        </a:rPr>
+                        <a:t>人分のアンケートを実施</a:t>
+                      </a:r>
+                      <a:endParaRPr lang="ja-JP" altLang="en-US" sz="3600" b="0" i="0" u="none" strike="noStrike" dirty="0">
+                        <a:solidFill>
+                          <a:srgbClr val="000000"/>
+                        </a:solidFill>
+                        <a:effectLst/>
+                        <a:latin typeface="ＭＳ Ｐゴシック" panose="020B0600070205080204" pitchFamily="50" charset="-128"/>
+                        <a:ea typeface="ＭＳ Ｐゴシック" panose="020B0600070205080204" pitchFamily="50" charset="-128"/>
+                      </a:endParaRPr>
+                    </a:p>
+                  </a:txBody>
+                  <a:tcPr marL="9525" marR="9525" marT="9525" marB="0" anchor="ctr"/>
+                </a:tc>
+              </a:tr>
+              <a:tr h="1081759">
+                <a:tc>
+                  <a:txBody>
+                    <a:bodyPr/>
+                    <a:lstStyle/>
+                    <a:p>
+                      <a:pPr algn="l" rtl="0" fontAlgn="ctr"/>
+                      <a:r>
+                        <a:rPr lang="en-US" altLang="ja-JP" sz="3600" u="none" strike="noStrike">
+                          <a:effectLst/>
+                        </a:rPr>
+                        <a:t>11 </a:t>
+                      </a:r>
+                      <a:r>
+                        <a:rPr lang="ja-JP" altLang="en-US" sz="3600" u="none" strike="noStrike">
+                          <a:effectLst/>
+                        </a:rPr>
+                        <a:t>月</a:t>
+                      </a:r>
+                      <a:endParaRPr lang="ja-JP" altLang="en-US" sz="3600" b="0" i="0" u="none" strike="noStrike">
+                        <a:solidFill>
+                          <a:srgbClr val="000000"/>
+                        </a:solidFill>
+                        <a:effectLst/>
+                        <a:latin typeface="Calibri" panose="020F0502020204030204" pitchFamily="34" charset="0"/>
+                        <a:ea typeface="ＭＳ Ｐゴシック" panose="020B0600070205080204" pitchFamily="50" charset="-128"/>
+                      </a:endParaRPr>
+                    </a:p>
+                  </a:txBody>
+                  <a:tcPr marL="9525" marR="9525" marT="9525" marB="0" anchor="ctr"/>
+                </a:tc>
+                <a:tc>
+                  <a:txBody>
+                    <a:bodyPr/>
+                    <a:lstStyle/>
+                    <a:p>
+                      <a:pPr algn="l" fontAlgn="ctr"/>
+                      <a:r>
+                        <a:rPr lang="ja-JP" altLang="en-US" sz="3600" u="none" strike="noStrike" dirty="0">
+                          <a:effectLst/>
+                        </a:rPr>
+                        <a:t>回収したデータの分析，解析</a:t>
+                      </a:r>
+                      <a:endParaRPr lang="ja-JP" altLang="en-US" sz="3600" b="0" i="0" u="none" strike="noStrike" dirty="0">
+                        <a:solidFill>
+                          <a:srgbClr val="000000"/>
+                        </a:solidFill>
+                        <a:effectLst/>
+                        <a:latin typeface="ＭＳ Ｐゴシック" panose="020B0600070205080204" pitchFamily="50" charset="-128"/>
+                        <a:ea typeface="ＭＳ Ｐゴシック" panose="020B0600070205080204" pitchFamily="50" charset="-128"/>
+                      </a:endParaRPr>
+                    </a:p>
+                  </a:txBody>
+                  <a:tcPr marL="9525" marR="9525" marT="9525" marB="0" anchor="ctr"/>
+                </a:tc>
+              </a:tr>
+              <a:tr h="1424117">
+                <a:tc>
+                  <a:txBody>
+                    <a:bodyPr/>
+                    <a:lstStyle/>
+                    <a:p>
+                      <a:pPr algn="l" rtl="0" fontAlgn="ctr"/>
+                      <a:r>
+                        <a:rPr lang="en-US" altLang="ja-JP" sz="3600" u="none" strike="noStrike" dirty="0">
+                          <a:effectLst/>
+                        </a:rPr>
+                        <a:t>12 </a:t>
+                      </a:r>
+                      <a:r>
+                        <a:rPr lang="ja-JP" altLang="en-US" sz="3600" u="none" strike="noStrike" dirty="0">
+                          <a:effectLst/>
+                        </a:rPr>
+                        <a:t>月　</a:t>
+                      </a:r>
+                      <a:endParaRPr lang="ja-JP" altLang="en-US" sz="3600" b="0" i="0" u="none" strike="noStrike" dirty="0">
+                        <a:solidFill>
+                          <a:srgbClr val="000000"/>
+                        </a:solidFill>
+                        <a:effectLst/>
+                        <a:latin typeface="Calibri" panose="020F0502020204030204" pitchFamily="34" charset="0"/>
+                        <a:ea typeface="ＭＳ Ｐゴシック" panose="020B0600070205080204" pitchFamily="50" charset="-128"/>
+                      </a:endParaRPr>
+                    </a:p>
+                  </a:txBody>
+                  <a:tcPr marL="9525" marR="9525" marT="9525" marB="0" anchor="ctr"/>
+                </a:tc>
+                <a:tc>
+                  <a:txBody>
+                    <a:bodyPr/>
+                    <a:lstStyle/>
+                    <a:p>
+                      <a:pPr algn="l" fontAlgn="ctr"/>
+                      <a:r>
+                        <a:rPr lang="ja-JP" altLang="en-US" sz="3600" u="none" strike="noStrike" dirty="0">
+                          <a:effectLst/>
+                        </a:rPr>
+                        <a:t>学生の意識と考え方が最も可視化出来た</a:t>
+                      </a:r>
+                      <a:r>
+                        <a:rPr lang="ja-JP" altLang="en-US" sz="3600" u="none" strike="noStrike" dirty="0" smtClean="0">
+                          <a:effectLst/>
+                        </a:rPr>
+                        <a:t>結果の提案</a:t>
+                      </a:r>
+                      <a:endParaRPr lang="ja-JP" altLang="en-US" sz="3600" b="0" i="0" u="none" strike="noStrike" dirty="0">
+                        <a:solidFill>
+                          <a:srgbClr val="000000"/>
+                        </a:solidFill>
+                        <a:effectLst/>
+                        <a:latin typeface="ＭＳ Ｐゴシック" panose="020B0600070205080204" pitchFamily="50" charset="-128"/>
+                        <a:ea typeface="ＭＳ Ｐゴシック" panose="020B0600070205080204" pitchFamily="50" charset="-128"/>
+                      </a:endParaRPr>
+                    </a:p>
+                  </a:txBody>
+                  <a:tcPr marL="9525" marR="9525" marT="9525" marB="0" anchor="ctr"/>
+                </a:tc>
+              </a:tr>
+              <a:tr h="1385834">
+                <a:tc>
+                  <a:txBody>
+                    <a:bodyPr/>
+                    <a:lstStyle/>
+                    <a:p>
+                      <a:pPr algn="l" rtl="0" fontAlgn="ctr"/>
+                      <a:r>
+                        <a:rPr kumimoji="1" lang="en-US" altLang="ja-JP" sz="3600" b="0" i="0" kern="1200" dirty="0" smtClean="0">
+                          <a:solidFill>
+                            <a:schemeClr val="tx1"/>
+                          </a:solidFill>
+                          <a:effectLst/>
+                          <a:latin typeface="+mn-lt"/>
+                          <a:ea typeface="+mn-ea"/>
+                          <a:cs typeface="+mn-cs"/>
+                        </a:rPr>
+                        <a:t>1</a:t>
+                      </a:r>
+                      <a:r>
+                        <a:rPr kumimoji="1" lang="ja-JP" altLang="en-US" sz="3600" b="0" i="0" kern="1200" dirty="0" smtClean="0">
+                          <a:solidFill>
+                            <a:schemeClr val="tx1"/>
+                          </a:solidFill>
+                          <a:effectLst/>
+                          <a:latin typeface="+mn-lt"/>
+                          <a:ea typeface="+mn-ea"/>
+                          <a:cs typeface="+mn-cs"/>
+                        </a:rPr>
+                        <a:t>月，</a:t>
+                      </a:r>
+                      <a:r>
+                        <a:rPr kumimoji="1" lang="en-US" altLang="ja-JP" sz="3600" b="0" i="0" kern="1200" dirty="0" smtClean="0">
+                          <a:solidFill>
+                            <a:schemeClr val="tx1"/>
+                          </a:solidFill>
+                          <a:effectLst/>
+                          <a:latin typeface="+mn-lt"/>
+                          <a:ea typeface="+mn-ea"/>
+                          <a:cs typeface="+mn-cs"/>
+                        </a:rPr>
+                        <a:t>2</a:t>
+                      </a:r>
+                      <a:r>
+                        <a:rPr kumimoji="1" lang="ja-JP" altLang="en-US" sz="3600" b="0" i="0" kern="1200" dirty="0" smtClean="0">
+                          <a:solidFill>
+                            <a:schemeClr val="tx1"/>
+                          </a:solidFill>
+                          <a:effectLst/>
+                          <a:latin typeface="+mn-lt"/>
+                          <a:ea typeface="+mn-ea"/>
+                          <a:cs typeface="+mn-cs"/>
+                        </a:rPr>
+                        <a:t>月</a:t>
+                      </a:r>
+                      <a:endParaRPr lang="ja-JP" altLang="en-US" sz="3600" b="0" i="0" u="none" strike="noStrike" dirty="0">
+                        <a:solidFill>
+                          <a:srgbClr val="000000"/>
+                        </a:solidFill>
+                        <a:effectLst/>
+                        <a:latin typeface="Calibri" panose="020F0502020204030204" pitchFamily="34" charset="0"/>
+                        <a:ea typeface="ＭＳ Ｐゴシック" panose="020B0600070205080204" pitchFamily="50" charset="-128"/>
+                      </a:endParaRPr>
+                    </a:p>
+                  </a:txBody>
+                  <a:tcPr marL="9525" marR="9525" marT="9525" marB="0" anchor="ctr"/>
+                </a:tc>
+                <a:tc>
+                  <a:txBody>
+                    <a:bodyPr/>
+                    <a:lstStyle/>
+                    <a:p>
+                      <a:pPr algn="l" fontAlgn="ctr"/>
+                      <a:r>
+                        <a:rPr lang="ja-JP" altLang="en-US" sz="3600" u="none" strike="noStrike" dirty="0">
+                          <a:effectLst/>
+                        </a:rPr>
+                        <a:t>論文の執筆，発表資料の作成</a:t>
+                      </a:r>
+                      <a:endParaRPr lang="ja-JP" altLang="en-US" sz="3600" b="0" i="0" u="none" strike="noStrike" dirty="0">
+                        <a:solidFill>
+                          <a:srgbClr val="000000"/>
+                        </a:solidFill>
+                        <a:effectLst/>
+                        <a:latin typeface="ＭＳ Ｐゴシック" panose="020B0600070205080204" pitchFamily="50" charset="-128"/>
+                        <a:ea typeface="ＭＳ Ｐゴシック" panose="020B0600070205080204" pitchFamily="50" charset="-128"/>
+                      </a:endParaRPr>
+                    </a:p>
+                  </a:txBody>
+                  <a:tcPr marL="9525" marR="9525" marT="9525" marB="0" anchor="ctr"/>
+                </a:tc>
+              </a:tr>
+            </a:tbl>
+          </a:graphicData>
+        </a:graphic>
+      </p:graphicFrame>
       <p:sp>
         <p:nvSpPr>
           <p:cNvPr id="2" name="正方形/長方形 1"/>
@@ -5716,33 +5382,874 @@
           </a:p>
         </p:txBody>
       </p:sp>
-      <p:sp>
-        <p:nvSpPr>
-          <p:cNvPr id="4" name="テキスト ボックス 3"/>
-          <p:cNvSpPr txBox="1"/>
+      <p:pic>
+        <p:nvPicPr>
+          <p:cNvPr id="5" name="図 4"/>
+          <p:cNvPicPr>
+            <a:picLocks noChangeAspect="1"/>
+          </p:cNvPicPr>
           <p:nvPr/>
-        </p:nvSpPr>
+        </p:nvPicPr>
+        <p:blipFill>
+          <a:blip r:embed="rId4">
+            <a:extLst>
+              <a:ext uri="{28A0092B-C50C-407E-A947-70E740481C1C}">
+                <a14:useLocalDpi xmlns:a14="http://schemas.microsoft.com/office/drawing/2010/main" val="0"/>
+              </a:ext>
+            </a:extLst>
+          </a:blip>
+          <a:stretch>
+            <a:fillRect/>
+          </a:stretch>
+        </p:blipFill>
         <p:spPr>
           <a:xfrm>
-            <a:off x="14437816" y="12907739"/>
-            <a:ext cx="4536504" cy="646331"/>
+            <a:off x="13010511" y="21743210"/>
+            <a:ext cx="7740439" cy="7756821"/>
           </a:xfrm>
           <a:prstGeom prst="rect">
             <a:avLst/>
           </a:prstGeom>
+        </p:spPr>
+      </p:pic>
+      <p:sp>
+        <p:nvSpPr>
+          <p:cNvPr id="6" name="円/楕円 5"/>
+          <p:cNvSpPr/>
+          <p:nvPr/>
+        </p:nvSpPr>
+        <p:spPr>
+          <a:xfrm>
+            <a:off x="13357696" y="23146947"/>
+            <a:ext cx="6696744" cy="1138056"/>
+          </a:xfrm>
+          <a:prstGeom prst="ellipse">
+            <a:avLst/>
+          </a:prstGeom>
           <a:noFill/>
+          <a:ln w="107950">
+            <a:solidFill>
+              <a:srgbClr val="FF0000">
+                <a:alpha val="29000"/>
+              </a:srgbClr>
+            </a:solidFill>
+          </a:ln>
         </p:spPr>
-        <p:txBody>
-          <a:bodyPr wrap="square" rtlCol="0">
-            <a:spAutoFit/>
-          </a:bodyPr>
-          <a:lstStyle/>
-          <a:p>
-            <a:r>
-              <a:rPr kumimoji="1" lang="ja-JP" altLang="en-US" sz="3600" dirty="0" smtClean="0"/>
-              <a:t>例：クラスター分析</a:t>
-            </a:r>
-            <a:endParaRPr kumimoji="1" lang="ja-JP" altLang="en-US" sz="3600" dirty="0"/>
+        <p:style>
+          <a:lnRef idx="2">
+            <a:schemeClr val="accent1">
+              <a:shade val="50000"/>
+            </a:schemeClr>
+          </a:lnRef>
+          <a:fillRef idx="1">
+            <a:schemeClr val="accent1"/>
+          </a:fillRef>
+          <a:effectRef idx="0">
+            <a:schemeClr val="accent1"/>
+          </a:effectRef>
+          <a:fontRef idx="minor">
+            <a:schemeClr val="lt1"/>
+          </a:fontRef>
+        </p:style>
+        <p:txBody>
+          <a:bodyPr rtlCol="0" anchor="ctr"/>
+          <a:lstStyle/>
+          <a:p>
+            <a:pPr algn="ctr"/>
+            <a:endParaRPr kumimoji="1" lang="ja-JP" altLang="en-US"/>
+          </a:p>
+        </p:txBody>
+      </p:sp>
+      <p:cxnSp>
+        <p:nvCxnSpPr>
+          <p:cNvPr id="14" name="直線矢印コネクタ 13"/>
+          <p:cNvCxnSpPr>
+            <a:stCxn id="6" idx="2"/>
+            <a:endCxn id="36" idx="3"/>
+          </p:cNvCxnSpPr>
+          <p:nvPr/>
+        </p:nvCxnSpPr>
+        <p:spPr>
+          <a:xfrm flipH="1">
+            <a:off x="11045999" y="23715975"/>
+            <a:ext cx="2311697" cy="2160270"/>
+          </a:xfrm>
+          <a:prstGeom prst="straightConnector1">
+            <a:avLst/>
+          </a:prstGeom>
+          <a:ln w="254000">
+            <a:solidFill>
+              <a:srgbClr val="FF0000">
+                <a:alpha val="29000"/>
+              </a:srgbClr>
+            </a:solidFill>
+            <a:tailEnd type="triangle"/>
+          </a:ln>
+        </p:spPr>
+        <p:style>
+          <a:lnRef idx="1">
+            <a:schemeClr val="accent1"/>
+          </a:lnRef>
+          <a:fillRef idx="0">
+            <a:schemeClr val="accent1"/>
+          </a:fillRef>
+          <a:effectRef idx="0">
+            <a:schemeClr val="accent1"/>
+          </a:effectRef>
+          <a:fontRef idx="minor">
+            <a:schemeClr val="tx1"/>
+          </a:fontRef>
+        </p:style>
+      </p:cxnSp>
+      <p:sp>
+        <p:nvSpPr>
+          <p:cNvPr id="36" name="角丸四角形 35"/>
+          <p:cNvSpPr/>
+          <p:nvPr/>
+        </p:nvSpPr>
+        <p:spPr>
+          <a:xfrm>
+            <a:off x="979295" y="25172489"/>
+            <a:ext cx="10066704" cy="1407511"/>
+          </a:xfrm>
+          <a:prstGeom prst="roundRect">
+            <a:avLst/>
+          </a:prstGeom>
+          <a:solidFill>
+            <a:schemeClr val="bg1"/>
+          </a:solidFill>
+          <a:ln w="69850">
+            <a:solidFill>
+              <a:srgbClr val="FF0000"/>
+            </a:solidFill>
+          </a:ln>
+        </p:spPr>
+        <p:style>
+          <a:lnRef idx="2">
+            <a:schemeClr val="accent1">
+              <a:shade val="50000"/>
+            </a:schemeClr>
+          </a:lnRef>
+          <a:fillRef idx="1">
+            <a:schemeClr val="accent1"/>
+          </a:fillRef>
+          <a:effectRef idx="0">
+            <a:schemeClr val="accent1"/>
+          </a:effectRef>
+          <a:fontRef idx="minor">
+            <a:schemeClr val="lt1"/>
+          </a:fontRef>
+        </p:style>
+        <p:txBody>
+          <a:bodyPr lIns="295232" tIns="147616" rIns="295232" bIns="147616" rtlCol="0" anchor="ctr"/>
+          <a:lstStyle/>
+          <a:p>
+            <a:r>
+              <a:rPr lang="ja-JP" altLang="en-US" sz="4400" dirty="0">
+                <a:solidFill>
+                  <a:schemeClr val="tx1"/>
+                </a:solidFill>
+              </a:rPr>
+              <a:t>学科を</a:t>
+            </a:r>
+            <a:r>
+              <a:rPr lang="ja-JP" altLang="en-US" sz="4400" dirty="0" smtClean="0">
+                <a:solidFill>
+                  <a:schemeClr val="tx1"/>
+                </a:solidFill>
+              </a:rPr>
+              <a:t>選んだ理由</a:t>
+            </a:r>
+            <a:r>
+              <a:rPr lang="ja-JP" altLang="en-US" sz="4400" dirty="0">
+                <a:solidFill>
+                  <a:schemeClr val="tx1"/>
+                </a:solidFill>
+              </a:rPr>
+              <a:t>の数</a:t>
+            </a:r>
+            <a:r>
+              <a:rPr lang="ja-JP" altLang="en-US" sz="4400" dirty="0" smtClean="0">
+                <a:solidFill>
+                  <a:schemeClr val="tx1"/>
+                </a:solidFill>
+              </a:rPr>
+              <a:t>がクラスター</a:t>
+            </a:r>
+            <a:r>
+              <a:rPr lang="ja-JP" altLang="en-US" sz="4400" dirty="0">
+                <a:solidFill>
+                  <a:schemeClr val="tx1"/>
+                </a:solidFill>
+              </a:rPr>
+              <a:t>を</a:t>
+            </a:r>
+            <a:r>
+              <a:rPr lang="ja-JP" altLang="en-US" sz="4400" dirty="0" smtClean="0">
+                <a:solidFill>
+                  <a:schemeClr val="tx1"/>
+                </a:solidFill>
+              </a:rPr>
+              <a:t>分ける大きな</a:t>
+            </a:r>
+            <a:r>
+              <a:rPr lang="ja-JP" altLang="en-US" sz="4400" dirty="0">
+                <a:solidFill>
+                  <a:schemeClr val="tx1"/>
+                </a:solidFill>
+              </a:rPr>
+              <a:t>理由になった</a:t>
+            </a:r>
+            <a:r>
+              <a:rPr lang="ja-JP" altLang="en-US" sz="4400" dirty="0" smtClean="0">
+                <a:solidFill>
+                  <a:schemeClr val="tx1"/>
+                </a:solidFill>
+              </a:rPr>
+              <a:t>．</a:t>
+            </a:r>
+            <a:endParaRPr lang="en-US" altLang="ja-JP" sz="4400" dirty="0" smtClean="0">
+              <a:solidFill>
+                <a:schemeClr val="tx1"/>
+              </a:solidFill>
+            </a:endParaRPr>
+          </a:p>
+        </p:txBody>
+      </p:sp>
+      <p:sp>
+        <p:nvSpPr>
+          <p:cNvPr id="38" name="円/楕円 37"/>
+          <p:cNvSpPr/>
+          <p:nvPr/>
+        </p:nvSpPr>
+        <p:spPr>
+          <a:xfrm rot="5400000">
+            <a:off x="11930941" y="24000898"/>
+            <a:ext cx="6309894" cy="3456384"/>
+          </a:xfrm>
+          <a:prstGeom prst="ellipse">
+            <a:avLst/>
+          </a:prstGeom>
+          <a:noFill/>
+          <a:ln w="107950">
+            <a:solidFill>
+              <a:srgbClr val="92D050">
+                <a:alpha val="29000"/>
+              </a:srgbClr>
+            </a:solidFill>
+          </a:ln>
+        </p:spPr>
+        <p:style>
+          <a:lnRef idx="2">
+            <a:schemeClr val="accent1">
+              <a:shade val="50000"/>
+            </a:schemeClr>
+          </a:lnRef>
+          <a:fillRef idx="1">
+            <a:schemeClr val="accent1"/>
+          </a:fillRef>
+          <a:effectRef idx="0">
+            <a:schemeClr val="accent1"/>
+          </a:effectRef>
+          <a:fontRef idx="minor">
+            <a:schemeClr val="lt1"/>
+          </a:fontRef>
+        </p:style>
+        <p:txBody>
+          <a:bodyPr rtlCol="0" anchor="ctr"/>
+          <a:lstStyle/>
+          <a:p>
+            <a:pPr algn="ctr"/>
+            <a:endParaRPr kumimoji="1" lang="ja-JP" altLang="en-US"/>
+          </a:p>
+        </p:txBody>
+      </p:sp>
+      <p:sp>
+        <p:nvSpPr>
+          <p:cNvPr id="42" name="角丸四角形 41"/>
+          <p:cNvSpPr/>
+          <p:nvPr/>
+        </p:nvSpPr>
+        <p:spPr>
+          <a:xfrm>
+            <a:off x="969869" y="26712206"/>
+            <a:ext cx="10066704" cy="1407511"/>
+          </a:xfrm>
+          <a:prstGeom prst="roundRect">
+            <a:avLst/>
+          </a:prstGeom>
+          <a:solidFill>
+            <a:schemeClr val="bg1"/>
+          </a:solidFill>
+          <a:ln w="69850">
+            <a:solidFill>
+              <a:srgbClr val="92D050"/>
+            </a:solidFill>
+          </a:ln>
+        </p:spPr>
+        <p:style>
+          <a:lnRef idx="2">
+            <a:schemeClr val="accent1">
+              <a:shade val="50000"/>
+            </a:schemeClr>
+          </a:lnRef>
+          <a:fillRef idx="1">
+            <a:schemeClr val="accent1"/>
+          </a:fillRef>
+          <a:effectRef idx="0">
+            <a:schemeClr val="accent1"/>
+          </a:effectRef>
+          <a:fontRef idx="minor">
+            <a:schemeClr val="lt1"/>
+          </a:fontRef>
+        </p:style>
+        <p:txBody>
+          <a:bodyPr lIns="295232" tIns="147616" rIns="295232" bIns="147616" rtlCol="0" anchor="ctr"/>
+          <a:lstStyle/>
+          <a:p>
+            <a:r>
+              <a:rPr lang="ja-JP" altLang="en-US" sz="4400" dirty="0" smtClean="0">
+                <a:solidFill>
+                  <a:schemeClr val="tx1"/>
+                </a:solidFill>
+              </a:rPr>
+              <a:t>左のクラスターは学科を選んだ理由が１つだった．</a:t>
+            </a:r>
+            <a:endParaRPr lang="en-US" altLang="ja-JP" sz="4400" dirty="0" smtClean="0">
+              <a:solidFill>
+                <a:schemeClr val="tx1"/>
+              </a:solidFill>
+            </a:endParaRPr>
+          </a:p>
+        </p:txBody>
+      </p:sp>
+      <p:cxnSp>
+        <p:nvCxnSpPr>
+          <p:cNvPr id="51" name="直線矢印コネクタ 50"/>
+          <p:cNvCxnSpPr>
+            <a:stCxn id="38" idx="4"/>
+            <a:endCxn id="42" idx="3"/>
+          </p:cNvCxnSpPr>
+          <p:nvPr/>
+        </p:nvCxnSpPr>
+        <p:spPr>
+          <a:xfrm flipH="1">
+            <a:off x="11036573" y="25729090"/>
+            <a:ext cx="2321123" cy="1686872"/>
+          </a:xfrm>
+          <a:prstGeom prst="straightConnector1">
+            <a:avLst/>
+          </a:prstGeom>
+          <a:ln w="254000">
+            <a:solidFill>
+              <a:srgbClr val="92D050">
+                <a:alpha val="29000"/>
+              </a:srgbClr>
+            </a:solidFill>
+            <a:tailEnd type="triangle"/>
+          </a:ln>
+        </p:spPr>
+        <p:style>
+          <a:lnRef idx="1">
+            <a:schemeClr val="accent1"/>
+          </a:lnRef>
+          <a:fillRef idx="0">
+            <a:schemeClr val="accent1"/>
+          </a:fillRef>
+          <a:effectRef idx="0">
+            <a:schemeClr val="accent1"/>
+          </a:effectRef>
+          <a:fontRef idx="minor">
+            <a:schemeClr val="tx1"/>
+          </a:fontRef>
+        </p:style>
+      </p:cxnSp>
+      <p:sp>
+        <p:nvSpPr>
+          <p:cNvPr id="52" name="角丸四角形 51"/>
+          <p:cNvSpPr/>
+          <p:nvPr/>
+        </p:nvSpPr>
+        <p:spPr>
+          <a:xfrm>
+            <a:off x="604232" y="22675008"/>
+            <a:ext cx="11385310" cy="2316364"/>
+          </a:xfrm>
+          <a:prstGeom prst="roundRect">
+            <a:avLst/>
+          </a:prstGeom>
+          <a:solidFill>
+            <a:schemeClr val="bg1"/>
+          </a:solidFill>
+          <a:ln>
+            <a:solidFill>
+              <a:schemeClr val="accent1"/>
+            </a:solidFill>
+          </a:ln>
+        </p:spPr>
+        <p:style>
+          <a:lnRef idx="2">
+            <a:schemeClr val="accent1">
+              <a:shade val="50000"/>
+            </a:schemeClr>
+          </a:lnRef>
+          <a:fillRef idx="1">
+            <a:schemeClr val="accent1"/>
+          </a:fillRef>
+          <a:effectRef idx="0">
+            <a:schemeClr val="accent1"/>
+          </a:effectRef>
+          <a:fontRef idx="minor">
+            <a:schemeClr val="lt1"/>
+          </a:fontRef>
+        </p:style>
+        <p:txBody>
+          <a:bodyPr lIns="295232" tIns="147616" rIns="295232" bIns="147616" rtlCol="0" anchor="ctr"/>
+          <a:lstStyle/>
+          <a:p>
+            <a:pPr marL="742950" indent="-742950">
+              <a:buFont typeface="+mj-lt"/>
+              <a:buAutoNum type="arabicPeriod"/>
+            </a:pPr>
+            <a:r>
+              <a:rPr lang="en-US" altLang="ja-JP" sz="3600" dirty="0">
+                <a:solidFill>
+                  <a:schemeClr val="tx1"/>
+                </a:solidFill>
+              </a:rPr>
+              <a:t>Google</a:t>
+            </a:r>
+            <a:r>
+              <a:rPr lang="ja-JP" altLang="en-US" sz="3600" dirty="0">
+                <a:solidFill>
+                  <a:schemeClr val="tx1"/>
+                </a:solidFill>
+              </a:rPr>
+              <a:t>フォームでアンケートを作成した．</a:t>
+            </a:r>
+            <a:endParaRPr lang="en-US" altLang="ja-JP" sz="3600" dirty="0">
+              <a:solidFill>
+                <a:schemeClr val="tx1"/>
+              </a:solidFill>
+            </a:endParaRPr>
+          </a:p>
+          <a:p>
+            <a:pPr marL="742950" indent="-742950">
+              <a:buFont typeface="+mj-lt"/>
+              <a:buAutoNum type="arabicPeriod"/>
+            </a:pPr>
+            <a:r>
+              <a:rPr lang="ja-JP" altLang="en-US" sz="3600" dirty="0">
+                <a:solidFill>
+                  <a:schemeClr val="tx1"/>
+                </a:solidFill>
+              </a:rPr>
+              <a:t>研究室内で</a:t>
+            </a:r>
+            <a:r>
+              <a:rPr lang="en-US" altLang="ja-JP" sz="3600" dirty="0">
+                <a:solidFill>
+                  <a:schemeClr val="tx1"/>
+                </a:solidFill>
+              </a:rPr>
+              <a:t>20 </a:t>
+            </a:r>
+            <a:r>
+              <a:rPr lang="ja-JP" altLang="en-US" sz="3600" dirty="0">
+                <a:solidFill>
+                  <a:schemeClr val="tx1"/>
+                </a:solidFill>
+              </a:rPr>
+              <a:t>人分のアンケートを実施した．</a:t>
+            </a:r>
+            <a:endParaRPr lang="en-US" altLang="ja-JP" sz="3600" dirty="0">
+              <a:solidFill>
+                <a:schemeClr val="tx1"/>
+              </a:solidFill>
+            </a:endParaRPr>
+          </a:p>
+          <a:p>
+            <a:pPr marL="742950" indent="-742950">
+              <a:buFont typeface="+mj-lt"/>
+              <a:buAutoNum type="arabicPeriod"/>
+            </a:pPr>
+            <a:r>
+              <a:rPr lang="ja-JP" altLang="en-US" sz="3600" dirty="0">
+                <a:solidFill>
+                  <a:schemeClr val="tx1"/>
+                </a:solidFill>
+              </a:rPr>
+              <a:t>最初の質問事項の</a:t>
+            </a:r>
+            <a:r>
+              <a:rPr lang="en-US" altLang="ja-JP" sz="3600" dirty="0">
+                <a:solidFill>
+                  <a:schemeClr val="tx1"/>
+                </a:solidFill>
+              </a:rPr>
+              <a:t>12</a:t>
+            </a:r>
+            <a:r>
+              <a:rPr lang="ja-JP" altLang="en-US" sz="3600" dirty="0" smtClean="0">
+                <a:solidFill>
+                  <a:schemeClr val="tx1"/>
+                </a:solidFill>
+              </a:rPr>
+              <a:t>項目までに</a:t>
+            </a:r>
+            <a:r>
+              <a:rPr lang="ja-JP" altLang="en-US" sz="3600" dirty="0">
+                <a:solidFill>
+                  <a:schemeClr val="tx1"/>
+                </a:solidFill>
+              </a:rPr>
+              <a:t>関してクラスター分析を行った．詳細は右の図に記載する．</a:t>
+            </a:r>
+            <a:endParaRPr lang="ja-JP" altLang="en-US" sz="3600" dirty="0">
+              <a:solidFill>
+                <a:schemeClr val="tx1"/>
+              </a:solidFill>
+            </a:endParaRPr>
+          </a:p>
+        </p:txBody>
+      </p:sp>
+      <p:sp>
+        <p:nvSpPr>
+          <p:cNvPr id="55" name="円/楕円 54"/>
+          <p:cNvSpPr/>
+          <p:nvPr/>
+        </p:nvSpPr>
+        <p:spPr>
+          <a:xfrm rot="5400000">
+            <a:off x="15763258" y="23848458"/>
+            <a:ext cx="6309894" cy="3456384"/>
+          </a:xfrm>
+          <a:prstGeom prst="ellipse">
+            <a:avLst/>
+          </a:prstGeom>
+          <a:noFill/>
+          <a:ln w="107950">
+            <a:solidFill>
+              <a:srgbClr val="00B0F0">
+                <a:alpha val="29000"/>
+              </a:srgbClr>
+            </a:solidFill>
+          </a:ln>
+        </p:spPr>
+        <p:style>
+          <a:lnRef idx="2">
+            <a:schemeClr val="accent1">
+              <a:shade val="50000"/>
+            </a:schemeClr>
+          </a:lnRef>
+          <a:fillRef idx="1">
+            <a:schemeClr val="accent1"/>
+          </a:fillRef>
+          <a:effectRef idx="0">
+            <a:schemeClr val="accent1"/>
+          </a:effectRef>
+          <a:fontRef idx="minor">
+            <a:schemeClr val="lt1"/>
+          </a:fontRef>
+        </p:style>
+        <p:txBody>
+          <a:bodyPr rtlCol="0" anchor="ctr"/>
+          <a:lstStyle/>
+          <a:p>
+            <a:pPr algn="ctr"/>
+            <a:endParaRPr kumimoji="1" lang="ja-JP" altLang="en-US"/>
+          </a:p>
+        </p:txBody>
+      </p:sp>
+      <p:cxnSp>
+        <p:nvCxnSpPr>
+          <p:cNvPr id="57" name="直線矢印コネクタ 56"/>
+          <p:cNvCxnSpPr>
+            <a:stCxn id="55" idx="4"/>
+          </p:cNvCxnSpPr>
+          <p:nvPr/>
+        </p:nvCxnSpPr>
+        <p:spPr>
+          <a:xfrm flipH="1">
+            <a:off x="11146840" y="25576650"/>
+            <a:ext cx="6043173" cy="3268543"/>
+          </a:xfrm>
+          <a:prstGeom prst="straightConnector1">
+            <a:avLst/>
+          </a:prstGeom>
+          <a:ln w="254000">
+            <a:solidFill>
+              <a:srgbClr val="00B0F0">
+                <a:alpha val="29000"/>
+              </a:srgbClr>
+            </a:solidFill>
+            <a:tailEnd type="triangle"/>
+          </a:ln>
+        </p:spPr>
+        <p:style>
+          <a:lnRef idx="1">
+            <a:schemeClr val="accent1"/>
+          </a:lnRef>
+          <a:fillRef idx="0">
+            <a:schemeClr val="accent1"/>
+          </a:fillRef>
+          <a:effectRef idx="0">
+            <a:schemeClr val="accent1"/>
+          </a:effectRef>
+          <a:fontRef idx="minor">
+            <a:schemeClr val="tx1"/>
+          </a:fontRef>
+        </p:style>
+      </p:cxnSp>
+      <p:sp>
+        <p:nvSpPr>
+          <p:cNvPr id="61" name="角丸四角形 60"/>
+          <p:cNvSpPr/>
+          <p:nvPr/>
+        </p:nvSpPr>
+        <p:spPr>
+          <a:xfrm>
+            <a:off x="983676" y="28278092"/>
+            <a:ext cx="10066704" cy="1407511"/>
+          </a:xfrm>
+          <a:prstGeom prst="roundRect">
+            <a:avLst/>
+          </a:prstGeom>
+          <a:solidFill>
+            <a:schemeClr val="bg1"/>
+          </a:solidFill>
+          <a:ln w="69850">
+            <a:solidFill>
+              <a:srgbClr val="00B0F0"/>
+            </a:solidFill>
+          </a:ln>
+        </p:spPr>
+        <p:style>
+          <a:lnRef idx="2">
+            <a:schemeClr val="accent1">
+              <a:shade val="50000"/>
+            </a:schemeClr>
+          </a:lnRef>
+          <a:fillRef idx="1">
+            <a:schemeClr val="accent1"/>
+          </a:fillRef>
+          <a:effectRef idx="0">
+            <a:schemeClr val="accent1"/>
+          </a:effectRef>
+          <a:fontRef idx="minor">
+            <a:schemeClr val="lt1"/>
+          </a:fontRef>
+        </p:style>
+        <p:txBody>
+          <a:bodyPr lIns="295232" tIns="147616" rIns="295232" bIns="147616" rtlCol="0" anchor="ctr"/>
+          <a:lstStyle/>
+          <a:p>
+            <a:r>
+              <a:rPr lang="ja-JP" altLang="en-US" sz="4400" dirty="0" smtClean="0">
+                <a:solidFill>
+                  <a:schemeClr val="tx1"/>
+                </a:solidFill>
+              </a:rPr>
+              <a:t>右のクラスターは学科を選んだ理由が複数あった．</a:t>
+            </a:r>
+            <a:endParaRPr lang="en-US" altLang="ja-JP" sz="4400" dirty="0" smtClean="0">
+              <a:solidFill>
+                <a:schemeClr val="tx1"/>
+              </a:solidFill>
+            </a:endParaRPr>
+          </a:p>
+        </p:txBody>
+      </p:sp>
+      <p:sp>
+        <p:nvSpPr>
+          <p:cNvPr id="71" name="角丸四角形 70"/>
+          <p:cNvSpPr/>
+          <p:nvPr/>
+        </p:nvSpPr>
+        <p:spPr>
+          <a:xfrm>
+            <a:off x="13016631" y="10506976"/>
+            <a:ext cx="6173714" cy="2760803"/>
+          </a:xfrm>
+          <a:prstGeom prst="roundRect">
+            <a:avLst/>
+          </a:prstGeom>
+          <a:solidFill>
+            <a:schemeClr val="bg1"/>
+          </a:solidFill>
+          <a:ln>
+            <a:solidFill>
+              <a:schemeClr val="accent1"/>
+            </a:solidFill>
+          </a:ln>
+        </p:spPr>
+        <p:style>
+          <a:lnRef idx="2">
+            <a:schemeClr val="accent1">
+              <a:shade val="50000"/>
+            </a:schemeClr>
+          </a:lnRef>
+          <a:fillRef idx="1">
+            <a:schemeClr val="accent1"/>
+          </a:fillRef>
+          <a:effectRef idx="0">
+            <a:schemeClr val="accent1"/>
+          </a:effectRef>
+          <a:fontRef idx="minor">
+            <a:schemeClr val="lt1"/>
+          </a:fontRef>
+        </p:style>
+        <p:txBody>
+          <a:bodyPr lIns="295232" tIns="147616" rIns="295232" bIns="147616" rtlCol="0" anchor="ctr"/>
+          <a:lstStyle/>
+          <a:p>
+            <a:pPr marL="742950" indent="-742950">
+              <a:buFont typeface="+mj-lt"/>
+              <a:buAutoNum type="arabicPeriod"/>
+            </a:pPr>
+            <a:r>
+              <a:rPr kumimoji="1" lang="ja-JP" altLang="en-US" sz="5400" dirty="0" smtClean="0">
+                <a:solidFill>
+                  <a:srgbClr val="FF0000"/>
+                </a:solidFill>
+                <a:latin typeface="+mn-ea"/>
+              </a:rPr>
+              <a:t>因子分析</a:t>
+            </a:r>
+            <a:endParaRPr kumimoji="1" lang="en-US" altLang="ja-JP" sz="5400" dirty="0" smtClean="0">
+              <a:solidFill>
+                <a:srgbClr val="FF0000"/>
+              </a:solidFill>
+              <a:latin typeface="+mn-ea"/>
+            </a:endParaRPr>
+          </a:p>
+          <a:p>
+            <a:pPr marL="742950" indent="-742950">
+              <a:buFont typeface="+mj-lt"/>
+              <a:buAutoNum type="arabicPeriod"/>
+            </a:pPr>
+            <a:r>
+              <a:rPr lang="ja-JP" altLang="en-US" sz="5400" dirty="0" smtClean="0">
+                <a:solidFill>
+                  <a:srgbClr val="FF0000"/>
+                </a:solidFill>
+                <a:latin typeface="+mn-ea"/>
+              </a:rPr>
+              <a:t>クラスター分析</a:t>
+            </a:r>
+            <a:endParaRPr lang="en-US" altLang="ja-JP" sz="5400" dirty="0" smtClean="0">
+              <a:solidFill>
+                <a:srgbClr val="FF0000"/>
+              </a:solidFill>
+              <a:latin typeface="+mn-ea"/>
+            </a:endParaRPr>
+          </a:p>
+          <a:p>
+            <a:pPr marL="742950" indent="-742950">
+              <a:buFont typeface="+mj-lt"/>
+              <a:buAutoNum type="arabicPeriod"/>
+            </a:pPr>
+            <a:r>
+              <a:rPr kumimoji="1" lang="ja-JP" altLang="en-US" sz="5400" dirty="0" smtClean="0">
+                <a:solidFill>
+                  <a:srgbClr val="FF0000"/>
+                </a:solidFill>
+                <a:latin typeface="+mn-ea"/>
+              </a:rPr>
+              <a:t>対応</a:t>
+            </a:r>
+            <a:r>
+              <a:rPr kumimoji="1" lang="ja-JP" altLang="en-US" sz="5400" dirty="0" smtClean="0">
+                <a:solidFill>
+                  <a:srgbClr val="FF0000"/>
+                </a:solidFill>
+                <a:latin typeface="+mn-ea"/>
+              </a:rPr>
+              <a:t>分析</a:t>
+            </a:r>
+            <a:r>
+              <a:rPr kumimoji="1" lang="en-US" altLang="ja-JP" sz="5400" dirty="0" smtClean="0">
+                <a:solidFill>
+                  <a:srgbClr val="FF0000"/>
+                </a:solidFill>
+                <a:latin typeface="+mn-ea"/>
+              </a:rPr>
+              <a:t>etc...</a:t>
+            </a:r>
+          </a:p>
+        </p:txBody>
+      </p:sp>
+      <p:sp>
+        <p:nvSpPr>
+          <p:cNvPr id="72" name="ホームベース 71"/>
+          <p:cNvSpPr/>
+          <p:nvPr/>
+        </p:nvSpPr>
+        <p:spPr>
+          <a:xfrm>
+            <a:off x="12920787" y="9416857"/>
+            <a:ext cx="6599754" cy="762712"/>
+          </a:xfrm>
+          <a:prstGeom prst="homePlate">
+            <a:avLst/>
+          </a:prstGeom>
+          <a:solidFill>
+            <a:schemeClr val="accent1"/>
+          </a:solidFill>
+          <a:ln>
+            <a:noFill/>
+          </a:ln>
+        </p:spPr>
+        <p:style>
+          <a:lnRef idx="2">
+            <a:schemeClr val="accent1">
+              <a:shade val="50000"/>
+            </a:schemeClr>
+          </a:lnRef>
+          <a:fillRef idx="1">
+            <a:schemeClr val="accent1"/>
+          </a:fillRef>
+          <a:effectRef idx="0">
+            <a:schemeClr val="accent1"/>
+          </a:effectRef>
+          <a:fontRef idx="minor">
+            <a:schemeClr val="lt1"/>
+          </a:fontRef>
+        </p:style>
+        <p:txBody>
+          <a:bodyPr lIns="295232" tIns="147616" rIns="295232" bIns="147616" rtlCol="0" anchor="ctr"/>
+          <a:lstStyle/>
+          <a:p>
+            <a:pPr algn="ctr"/>
+            <a:r>
+              <a:rPr lang="ja-JP" altLang="en-US" sz="4400" dirty="0" smtClean="0">
+                <a:solidFill>
+                  <a:schemeClr val="bg1"/>
+                </a:solidFill>
+              </a:rPr>
+              <a:t>活用</a:t>
+            </a:r>
+            <a:r>
+              <a:rPr lang="ja-JP" altLang="en-US" sz="4400" dirty="0">
+                <a:solidFill>
+                  <a:schemeClr val="bg1"/>
+                </a:solidFill>
+              </a:rPr>
+              <a:t>予定</a:t>
+            </a:r>
+            <a:r>
+              <a:rPr lang="ja-JP" altLang="en-US" sz="4400" dirty="0" smtClean="0">
+                <a:solidFill>
+                  <a:schemeClr val="bg1"/>
+                </a:solidFill>
+              </a:rPr>
+              <a:t>の分析手法</a:t>
+            </a:r>
+            <a:endParaRPr lang="ja-JP" altLang="en-US" sz="4400" dirty="0">
+              <a:solidFill>
+                <a:schemeClr val="bg1"/>
+              </a:solidFill>
+            </a:endParaRPr>
           </a:p>
         </p:txBody>
       </p:sp>
@@ -5756,6 +6263,14 @@
   <p:clrMapOvr>
     <a:masterClrMapping/>
   </p:clrMapOvr>
+  <mc:AlternateContent xmlns:mc="http://schemas.openxmlformats.org/markup-compatibility/2006">
+    <mc:Choice xmlns:p14="http://schemas.microsoft.com/office/powerpoint/2010/main" Requires="p14">
+      <p:transition spd="slow" p14:dur="2000"/>
+    </mc:Choice>
+    <mc:Fallback>
+      <p:transition spd="slow"/>
+    </mc:Fallback>
+  </mc:AlternateContent>
   <p:timing>
     <p:tnLst>
       <p:par>

--- a/卒業論文/2015/川手元稀/中間ポスター/卒論中間ポスター.pptx
+++ b/卒業論文/2015/川手元稀/中間ポスター/卒論中間ポスター.pptx
@@ -211,7 +211,7 @@
           <a:p>
             <a:fld id="{1355B614-8C80-42CD-A0C7-A8AC0A708725}" type="datetimeFigureOut">
               <a:rPr kumimoji="1" lang="ja-JP" altLang="en-US" smtClean="0"/>
-              <a:t>2016/10/12</a:t>
+              <a:t>2016/10/13</a:t>
             </a:fld>
             <a:endParaRPr kumimoji="1" lang="ja-JP" altLang="en-US"/>
           </a:p>
@@ -726,7 +726,7 @@
           <a:p>
             <a:fld id="{CD18CB5A-6947-405F-A94A-52FF85729738}" type="datetimeFigureOut">
               <a:rPr kumimoji="1" lang="ja-JP" altLang="en-US" smtClean="0"/>
-              <a:t>2016/10/12</a:t>
+              <a:t>2016/10/13</a:t>
             </a:fld>
             <a:endParaRPr kumimoji="1" lang="ja-JP" altLang="en-US"/>
           </a:p>
@@ -928,7 +928,7 @@
           <a:p>
             <a:fld id="{CD18CB5A-6947-405F-A94A-52FF85729738}" type="datetimeFigureOut">
               <a:rPr kumimoji="1" lang="ja-JP" altLang="en-US" smtClean="0"/>
-              <a:t>2016/10/12</a:t>
+              <a:t>2016/10/13</a:t>
             </a:fld>
             <a:endParaRPr kumimoji="1" lang="ja-JP" altLang="en-US"/>
           </a:p>
@@ -1140,7 +1140,7 @@
           <a:p>
             <a:fld id="{CD18CB5A-6947-405F-A94A-52FF85729738}" type="datetimeFigureOut">
               <a:rPr kumimoji="1" lang="ja-JP" altLang="en-US" smtClean="0"/>
-              <a:t>2016/10/12</a:t>
+              <a:t>2016/10/13</a:t>
             </a:fld>
             <a:endParaRPr kumimoji="1" lang="ja-JP" altLang="en-US"/>
           </a:p>
@@ -1342,7 +1342,7 @@
           <a:p>
             <a:fld id="{CD18CB5A-6947-405F-A94A-52FF85729738}" type="datetimeFigureOut">
               <a:rPr kumimoji="1" lang="ja-JP" altLang="en-US" smtClean="0"/>
-              <a:t>2016/10/12</a:t>
+              <a:t>2016/10/13</a:t>
             </a:fld>
             <a:endParaRPr kumimoji="1" lang="ja-JP" altLang="en-US"/>
           </a:p>
@@ -1588,7 +1588,7 @@
           <a:p>
             <a:fld id="{CD18CB5A-6947-405F-A94A-52FF85729738}" type="datetimeFigureOut">
               <a:rPr kumimoji="1" lang="ja-JP" altLang="en-US" smtClean="0"/>
-              <a:t>2016/10/12</a:t>
+              <a:t>2016/10/13</a:t>
             </a:fld>
             <a:endParaRPr kumimoji="1" lang="ja-JP" altLang="en-US"/>
           </a:p>
@@ -1884,7 +1884,7 @@
           <a:p>
             <a:fld id="{CD18CB5A-6947-405F-A94A-52FF85729738}" type="datetimeFigureOut">
               <a:rPr kumimoji="1" lang="ja-JP" altLang="en-US" smtClean="0"/>
-              <a:t>2016/10/12</a:t>
+              <a:t>2016/10/13</a:t>
             </a:fld>
             <a:endParaRPr kumimoji="1" lang="ja-JP" altLang="en-US"/>
           </a:p>
@@ -2315,7 +2315,7 @@
           <a:p>
             <a:fld id="{CD18CB5A-6947-405F-A94A-52FF85729738}" type="datetimeFigureOut">
               <a:rPr kumimoji="1" lang="ja-JP" altLang="en-US" smtClean="0"/>
-              <a:t>2016/10/12</a:t>
+              <a:t>2016/10/13</a:t>
             </a:fld>
             <a:endParaRPr kumimoji="1" lang="ja-JP" altLang="en-US"/>
           </a:p>
@@ -2433,7 +2433,7 @@
           <a:p>
             <a:fld id="{CD18CB5A-6947-405F-A94A-52FF85729738}" type="datetimeFigureOut">
               <a:rPr kumimoji="1" lang="ja-JP" altLang="en-US" smtClean="0"/>
-              <a:t>2016/10/12</a:t>
+              <a:t>2016/10/13</a:t>
             </a:fld>
             <a:endParaRPr kumimoji="1" lang="ja-JP" altLang="en-US"/>
           </a:p>
@@ -2528,7 +2528,7 @@
           <a:p>
             <a:fld id="{CD18CB5A-6947-405F-A94A-52FF85729738}" type="datetimeFigureOut">
               <a:rPr kumimoji="1" lang="ja-JP" altLang="en-US" smtClean="0"/>
-              <a:t>2016/10/12</a:t>
+              <a:t>2016/10/13</a:t>
             </a:fld>
             <a:endParaRPr kumimoji="1" lang="ja-JP" altLang="en-US"/>
           </a:p>
@@ -2837,7 +2837,7 @@
           <a:p>
             <a:fld id="{CD18CB5A-6947-405F-A94A-52FF85729738}" type="datetimeFigureOut">
               <a:rPr kumimoji="1" lang="ja-JP" altLang="en-US" smtClean="0"/>
-              <a:t>2016/10/12</a:t>
+              <a:t>2016/10/13</a:t>
             </a:fld>
             <a:endParaRPr kumimoji="1" lang="ja-JP" altLang="en-US"/>
           </a:p>
@@ -3090,7 +3090,7 @@
           <a:p>
             <a:fld id="{CD18CB5A-6947-405F-A94A-52FF85729738}" type="datetimeFigureOut">
               <a:rPr kumimoji="1" lang="ja-JP" altLang="en-US" smtClean="0"/>
-              <a:t>2016/10/12</a:t>
+              <a:t>2016/10/13</a:t>
             </a:fld>
             <a:endParaRPr kumimoji="1" lang="ja-JP" altLang="en-US"/>
           </a:p>
@@ -3335,7 +3335,7 @@
           <a:p>
             <a:fld id="{CD18CB5A-6947-405F-A94A-52FF85729738}" type="datetimeFigureOut">
               <a:rPr kumimoji="1" lang="ja-JP" altLang="en-US" smtClean="0"/>
-              <a:t>2016/10/12</a:t>
+              <a:t>2016/10/13</a:t>
             </a:fld>
             <a:endParaRPr kumimoji="1" lang="ja-JP" altLang="en-US"/>
           </a:p>
@@ -4049,15 +4049,7 @@
                   <a:sysClr val="windowText" lastClr="000000"/>
                 </a:solidFill>
               </a:rPr>
-              <a:t>行えば学生の意識や考え方がより</a:t>
-            </a:r>
-            <a:r>
-              <a:rPr lang="ja-JP" altLang="en-US" sz="3600" dirty="0" smtClean="0">
-                <a:solidFill>
-                  <a:sysClr val="windowText" lastClr="000000"/>
-                </a:solidFill>
-              </a:rPr>
-              <a:t>分かるので</a:t>
+              <a:t>行えば学生の意識や考え方がより分かるので</a:t>
             </a:r>
             <a:r>
               <a:rPr lang="ja-JP" altLang="en-US" sz="3600" dirty="0">
@@ -4387,57 +4379,57 @@
                 </a:solidFill>
                 <a:latin typeface="+mn-ea"/>
               </a:rPr>
-              <a:t>におい</a:t>
+              <a:t>は</a:t>
+            </a:r>
+            <a:r>
+              <a:rPr kumimoji="1" lang="ja-JP" altLang="en-US" sz="4000" dirty="0" smtClean="0">
+                <a:solidFill>
+                  <a:schemeClr val="tx1"/>
+                </a:solidFill>
+                <a:latin typeface="+mn-ea"/>
+              </a:rPr>
+              <a:t>各項目</a:t>
+            </a:r>
+            <a:r>
+              <a:rPr kumimoji="1" lang="ja-JP" altLang="en-US" sz="4000" dirty="0" smtClean="0">
+                <a:solidFill>
+                  <a:schemeClr val="tx1"/>
+                </a:solidFill>
+                <a:latin typeface="+mn-ea"/>
+              </a:rPr>
+              <a:t>ごとでしか分析を行っていない．</a:t>
+            </a:r>
+            <a:endParaRPr lang="en-US" altLang="ja-JP" sz="4000" dirty="0">
+              <a:solidFill>
+                <a:schemeClr val="tx1"/>
+              </a:solidFill>
+              <a:latin typeface="+mn-ea"/>
+            </a:endParaRPr>
+          </a:p>
+          <a:p>
+            <a:r>
+              <a:rPr lang="ja-JP" altLang="en-US" sz="4000" dirty="0" smtClean="0">
+                <a:solidFill>
+                  <a:schemeClr val="tx1"/>
+                </a:solidFill>
+              </a:rPr>
+              <a:t>これからの「</a:t>
             </a:r>
             <a:r>
               <a:rPr lang="ja-JP" altLang="en-US" sz="4000" dirty="0">
                 <a:solidFill>
                   <a:schemeClr val="tx1"/>
                 </a:solidFill>
-                <a:latin typeface="+mn-ea"/>
-              </a:rPr>
-              <a:t>て</a:t>
-            </a:r>
-            <a:r>
-              <a:rPr kumimoji="1" lang="ja-JP" altLang="en-US" sz="4000" dirty="0" smtClean="0">
+              </a:rPr>
+              <a:t>学生生活アンケート」を発展</a:t>
+            </a:r>
+            <a:r>
+              <a:rPr lang="ja-JP" altLang="en-US" sz="4000" dirty="0" smtClean="0">
                 <a:solidFill>
                   <a:schemeClr val="tx1"/>
                 </a:solidFill>
-                <a:latin typeface="+mn-ea"/>
-              </a:rPr>
-              <a:t>，各項目ごとでしか分析を行っていない．よって，</a:t>
-            </a:r>
-            <a:r>
-              <a:rPr lang="ja-JP" altLang="en-US" sz="4000" dirty="0" smtClean="0">
-                <a:solidFill>
-                  <a:schemeClr val="tx1"/>
-                </a:solidFill>
-              </a:rPr>
-              <a:t>「</a:t>
-            </a:r>
-            <a:r>
-              <a:rPr lang="ja-JP" altLang="en-US" sz="4000" dirty="0">
-                <a:solidFill>
-                  <a:schemeClr val="tx1"/>
-                </a:solidFill>
-              </a:rPr>
-              <a:t>学生生活アンケート」を発展</a:t>
-            </a:r>
-            <a:r>
-              <a:rPr lang="ja-JP" altLang="en-US" sz="4000" dirty="0" smtClean="0">
-                <a:solidFill>
-                  <a:schemeClr val="tx1"/>
-                </a:solidFill>
-              </a:rPr>
-              <a:t>させる</a:t>
-            </a:r>
-            <a:r>
-              <a:rPr lang="ja-JP" altLang="en-US" sz="4000" dirty="0" smtClean="0">
-                <a:solidFill>
-                  <a:schemeClr val="tx1"/>
-                </a:solidFill>
-              </a:rPr>
-              <a:t>ため</a:t>
+              </a:rPr>
+              <a:t>させるため</a:t>
             </a:r>
             <a:r>
               <a:rPr lang="ja-JP" altLang="en-US" sz="4000" dirty="0">
@@ -5905,11 +5897,6 @@
               </a:rPr>
               <a:t>関してクラスター分析を行った．詳細は右の図に記載する．</a:t>
             </a:r>
-            <a:endParaRPr lang="ja-JP" altLang="en-US" sz="3600" dirty="0">
-              <a:solidFill>
-                <a:schemeClr val="tx1"/>
-              </a:solidFill>
-            </a:endParaRPr>
           </a:p>
         </p:txBody>
       </p:sp>
@@ -6156,16 +6143,7 @@
                 </a:solidFill>
                 <a:latin typeface="+mn-ea"/>
               </a:rPr>
-              <a:t>対応</a:t>
-            </a:r>
-            <a:r>
-              <a:rPr kumimoji="1" lang="ja-JP" altLang="en-US" sz="5400" dirty="0" smtClean="0">
-                <a:solidFill>
-                  <a:srgbClr val="FF0000"/>
-                </a:solidFill>
-                <a:latin typeface="+mn-ea"/>
-              </a:rPr>
-              <a:t>分析</a:t>
+              <a:t>対応分析</a:t>
             </a:r>
             <a:r>
               <a:rPr kumimoji="1" lang="en-US" altLang="ja-JP" sz="5400" dirty="0" smtClean="0">
@@ -6263,11 +6241,11 @@
   <p:clrMapOvr>
     <a:masterClrMapping/>
   </p:clrMapOvr>
-  <mc:AlternateContent xmlns:mc="http://schemas.openxmlformats.org/markup-compatibility/2006">
-    <mc:Choice xmlns:p14="http://schemas.microsoft.com/office/powerpoint/2010/main" Requires="p14">
+  <mc:AlternateContent xmlns:mc="http://schemas.openxmlformats.org/markup-compatibility/2006" xmlns:p14="http://schemas.microsoft.com/office/powerpoint/2010/main">
+    <mc:Choice Requires="p14">
       <p:transition spd="slow" p14:dur="2000"/>
     </mc:Choice>
-    <mc:Fallback>
+    <mc:Fallback xmlns="">
       <p:transition spd="slow"/>
     </mc:Fallback>
   </mc:AlternateContent>

--- a/卒業論文/2015/川手元稀/中間ポスター/卒論中間ポスター.pptx
+++ b/卒業論文/2015/川手元稀/中間ポスター/卒論中間ポスター.pptx
@@ -4361,7 +4361,16 @@
                 </a:solidFill>
                 <a:latin typeface="+mn-ea"/>
               </a:rPr>
-              <a:t>千葉工業大学の「学生生活アンケート</a:t>
+              <a:t>千葉工業大学の「学生生活アンケート」</a:t>
+            </a:r>
+            <a:r>
+              <a:rPr lang="ja-JP" altLang="en-US" sz="4000" dirty="0" smtClean="0">
+                <a:solidFill>
+                  <a:schemeClr val="tx1"/>
+                </a:solidFill>
+                <a:latin typeface="+mn-ea"/>
+              </a:rPr>
+              <a:t>は</a:t>
             </a:r>
             <a:r>
               <a:rPr kumimoji="1" lang="ja-JP" altLang="en-US" sz="4000" dirty="0" smtClean="0">
@@ -4370,7 +4379,16 @@
                 </a:solidFill>
                 <a:latin typeface="+mn-ea"/>
               </a:rPr>
-              <a:t>」</a:t>
+              <a:t>各項目ごとでしか分析を</a:t>
+            </a:r>
+            <a:r>
+              <a:rPr kumimoji="1" lang="ja-JP" altLang="en-US" sz="4000" dirty="0" smtClean="0">
+                <a:solidFill>
+                  <a:schemeClr val="tx1"/>
+                </a:solidFill>
+                <a:latin typeface="+mn-ea"/>
+              </a:rPr>
+              <a:t>行</a:t>
             </a:r>
             <a:r>
               <a:rPr lang="ja-JP" altLang="en-US" sz="4000" dirty="0" smtClean="0">
@@ -4379,7 +4397,7 @@
                 </a:solidFill>
                 <a:latin typeface="+mn-ea"/>
               </a:rPr>
-              <a:t>は</a:t>
+              <a:t>っ</a:t>
             </a:r>
             <a:r>
               <a:rPr kumimoji="1" lang="ja-JP" altLang="en-US" sz="4000" dirty="0" smtClean="0">
@@ -4388,7 +4406,7 @@
                 </a:solidFill>
                 <a:latin typeface="+mn-ea"/>
               </a:rPr>
-              <a:t>各項目</a:t>
+              <a:t>て</a:t>
             </a:r>
             <a:r>
               <a:rPr kumimoji="1" lang="ja-JP" altLang="en-US" sz="4000" dirty="0" smtClean="0">
@@ -4397,7 +4415,7 @@
                 </a:solidFill>
                 <a:latin typeface="+mn-ea"/>
               </a:rPr>
-              <a:t>ごとでしか分析を行っていない．</a:t>
+              <a:t>いない．</a:t>
             </a:r>
             <a:endParaRPr lang="en-US" altLang="ja-JP" sz="4000" dirty="0">
               <a:solidFill>
@@ -4413,31 +4431,61 @@
                   <a:schemeClr val="tx1"/>
                 </a:solidFill>
               </a:rPr>
-              <a:t>これからの「</a:t>
+              <a:t>そのため，より深く</a:t>
+            </a:r>
+            <a:r>
+              <a:rPr lang="ja-JP" altLang="en-US" sz="4000" dirty="0" smtClean="0">
+                <a:solidFill>
+                  <a:schemeClr val="tx1"/>
+                </a:solidFill>
+                <a:latin typeface="+mn-ea"/>
+              </a:rPr>
+              <a:t>学生の意識や考え方を</a:t>
             </a:r>
             <a:r>
               <a:rPr lang="ja-JP" altLang="en-US" sz="4000" dirty="0">
                 <a:solidFill>
                   <a:schemeClr val="tx1"/>
                 </a:solidFill>
-              </a:rPr>
-              <a:t>学生生活アンケート」を発展</a:t>
+                <a:latin typeface="+mn-ea"/>
+              </a:rPr>
+              <a:t>明</a:t>
             </a:r>
             <a:r>
               <a:rPr lang="ja-JP" altLang="en-US" sz="4000" dirty="0" smtClean="0">
                 <a:solidFill>
                   <a:schemeClr val="tx1"/>
                 </a:solidFill>
-              </a:rPr>
-              <a:t>させるため</a:t>
+                <a:latin typeface="+mn-ea"/>
+              </a:rPr>
+              <a:t>らか</a:t>
+            </a:r>
+            <a:r>
+              <a:rPr lang="ja-JP" altLang="en-US" sz="4000" dirty="0" smtClean="0">
+                <a:solidFill>
+                  <a:schemeClr val="tx1"/>
+                </a:solidFill>
+                <a:latin typeface="+mn-ea"/>
+              </a:rPr>
+              <a:t>に</a:t>
+            </a:r>
+            <a:r>
+              <a:rPr lang="ja-JP" altLang="en-US" sz="4000" dirty="0" smtClean="0">
+                <a:solidFill>
+                  <a:schemeClr val="tx1"/>
+                </a:solidFill>
+                <a:latin typeface="+mn-ea"/>
+              </a:rPr>
+              <a:t>するに</a:t>
             </a:r>
             <a:r>
               <a:rPr lang="ja-JP" altLang="en-US" sz="4000" dirty="0">
                 <a:solidFill>
                   <a:schemeClr val="tx1"/>
                 </a:solidFill>
-              </a:rPr>
-              <a:t>に</a:t>
+                <a:latin typeface="+mn-ea"/>
+              </a:rPr>
+              <a:t>は</a:t>
             </a:r>
             <a:r>
               <a:rPr lang="ja-JP" altLang="en-US" sz="4000" dirty="0" smtClean="0">
@@ -4446,7 +4494,34 @@
                 </a:solidFill>
                 <a:latin typeface="+mn-ea"/>
               </a:rPr>
-              <a:t>学生の意識や考え方を探し出す様々なデータマイニング分析手法の提案を目的とする．</a:t>
+              <a:t>新た</a:t>
+            </a:r>
+            <a:r>
+              <a:rPr lang="ja-JP" altLang="en-US" sz="4000" dirty="0" smtClean="0">
+                <a:solidFill>
+                  <a:schemeClr val="tx1"/>
+                </a:solidFill>
+                <a:latin typeface="+mn-ea"/>
+              </a:rPr>
+              <a:t>な</a:t>
+            </a:r>
+            <a:r>
+              <a:rPr lang="ja-JP" altLang="en-US" sz="4000" dirty="0" smtClean="0">
+                <a:solidFill>
+                  <a:schemeClr val="tx1"/>
+                </a:solidFill>
+                <a:latin typeface="+mn-ea"/>
+              </a:rPr>
+              <a:t>データマイニング手法</a:t>
+            </a:r>
+            <a:r>
+              <a:rPr lang="ja-JP" altLang="en-US" sz="4000" dirty="0" smtClean="0">
+                <a:solidFill>
+                  <a:schemeClr val="tx1"/>
+                </a:solidFill>
+                <a:latin typeface="+mn-ea"/>
+              </a:rPr>
+              <a:t>の提案が必要であると考えた．</a:t>
             </a:r>
             <a:endParaRPr lang="en-US" altLang="ja-JP" sz="4000" dirty="0" smtClean="0">
               <a:solidFill>
